--- a/Infinity Spiegel.pptx
+++ b/Infinity Spiegel.pptx
@@ -7,13 +7,15 @@
   <p:sldIdLst>
     <p:sldId id="256" r:id="rId2"/>
     <p:sldId id="262" r:id="rId3"/>
-    <p:sldId id="263" r:id="rId4"/>
-    <p:sldId id="267" r:id="rId5"/>
-    <p:sldId id="266" r:id="rId6"/>
-    <p:sldId id="260" r:id="rId7"/>
-    <p:sldId id="265" r:id="rId8"/>
-    <p:sldId id="259" r:id="rId9"/>
-    <p:sldId id="264" r:id="rId10"/>
+    <p:sldId id="267" r:id="rId4"/>
+    <p:sldId id="263" r:id="rId5"/>
+    <p:sldId id="269" r:id="rId6"/>
+    <p:sldId id="266" r:id="rId7"/>
+    <p:sldId id="260" r:id="rId8"/>
+    <p:sldId id="265" r:id="rId9"/>
+    <p:sldId id="268" r:id="rId10"/>
+    <p:sldId id="259" r:id="rId11"/>
+    <p:sldId id="264" r:id="rId12"/>
   </p:sldIdLst>
   <p:sldSz cx="12192000" cy="6858000"/>
   <p:notesSz cx="6858000" cy="9144000"/>
@@ -112,6 +114,11 @@
       </a:defRPr>
     </a:lvl9pPr>
   </p:defaultTextStyle>
+  <p:extLst>
+    <p:ext uri="{EFAFB233-063F-42B5-8137-9DF3F51BA10A}">
+      <p15:sldGuideLst xmlns:p15="http://schemas.microsoft.com/office/powerpoint/2012/main"/>
+    </p:ext>
+  </p:extLst>
 </p:presentation>
 </file>
 
@@ -262,7 +269,7 @@
           <a:p>
             <a:fld id="{CFE7F276-46EF-4953-B2D4-2AC34AC1AF36}" type="datetimeFigureOut">
               <a:rPr lang="de-DE" smtClean="0"/>
-              <a:t>20.06.2024</a:t>
+              <a:t>21.06.2024</a:t>
             </a:fld>
             <a:endParaRPr lang="de-DE"/>
           </a:p>
@@ -460,7 +467,7 @@
           <a:p>
             <a:fld id="{CFE7F276-46EF-4953-B2D4-2AC34AC1AF36}" type="datetimeFigureOut">
               <a:rPr lang="de-DE" smtClean="0"/>
-              <a:t>20.06.2024</a:t>
+              <a:t>21.06.2024</a:t>
             </a:fld>
             <a:endParaRPr lang="de-DE"/>
           </a:p>
@@ -668,7 +675,7 @@
           <a:p>
             <a:fld id="{CFE7F276-46EF-4953-B2D4-2AC34AC1AF36}" type="datetimeFigureOut">
               <a:rPr lang="de-DE" smtClean="0"/>
-              <a:t>20.06.2024</a:t>
+              <a:t>21.06.2024</a:t>
             </a:fld>
             <a:endParaRPr lang="de-DE"/>
           </a:p>
@@ -866,7 +873,7 @@
           <a:p>
             <a:fld id="{CFE7F276-46EF-4953-B2D4-2AC34AC1AF36}" type="datetimeFigureOut">
               <a:rPr lang="de-DE" smtClean="0"/>
-              <a:t>20.06.2024</a:t>
+              <a:t>21.06.2024</a:t>
             </a:fld>
             <a:endParaRPr lang="de-DE"/>
           </a:p>
@@ -1141,7 +1148,7 @@
           <a:p>
             <a:fld id="{CFE7F276-46EF-4953-B2D4-2AC34AC1AF36}" type="datetimeFigureOut">
               <a:rPr lang="de-DE" smtClean="0"/>
-              <a:t>20.06.2024</a:t>
+              <a:t>21.06.2024</a:t>
             </a:fld>
             <a:endParaRPr lang="de-DE"/>
           </a:p>
@@ -1406,7 +1413,7 @@
           <a:p>
             <a:fld id="{CFE7F276-46EF-4953-B2D4-2AC34AC1AF36}" type="datetimeFigureOut">
               <a:rPr lang="de-DE" smtClean="0"/>
-              <a:t>20.06.2024</a:t>
+              <a:t>21.06.2024</a:t>
             </a:fld>
             <a:endParaRPr lang="de-DE"/>
           </a:p>
@@ -1818,7 +1825,7 @@
           <a:p>
             <a:fld id="{CFE7F276-46EF-4953-B2D4-2AC34AC1AF36}" type="datetimeFigureOut">
               <a:rPr lang="de-DE" smtClean="0"/>
-              <a:t>20.06.2024</a:t>
+              <a:t>21.06.2024</a:t>
             </a:fld>
             <a:endParaRPr lang="de-DE"/>
           </a:p>
@@ -1959,7 +1966,7 @@
           <a:p>
             <a:fld id="{CFE7F276-46EF-4953-B2D4-2AC34AC1AF36}" type="datetimeFigureOut">
               <a:rPr lang="de-DE" smtClean="0"/>
-              <a:t>20.06.2024</a:t>
+              <a:t>21.06.2024</a:t>
             </a:fld>
             <a:endParaRPr lang="de-DE"/>
           </a:p>
@@ -2072,7 +2079,7 @@
           <a:p>
             <a:fld id="{CFE7F276-46EF-4953-B2D4-2AC34AC1AF36}" type="datetimeFigureOut">
               <a:rPr lang="de-DE" smtClean="0"/>
-              <a:t>20.06.2024</a:t>
+              <a:t>21.06.2024</a:t>
             </a:fld>
             <a:endParaRPr lang="de-DE"/>
           </a:p>
@@ -2383,7 +2390,7 @@
           <a:p>
             <a:fld id="{CFE7F276-46EF-4953-B2D4-2AC34AC1AF36}" type="datetimeFigureOut">
               <a:rPr lang="de-DE" smtClean="0"/>
-              <a:t>20.06.2024</a:t>
+              <a:t>21.06.2024</a:t>
             </a:fld>
             <a:endParaRPr lang="de-DE"/>
           </a:p>
@@ -2671,7 +2678,7 @@
           <a:p>
             <a:fld id="{CFE7F276-46EF-4953-B2D4-2AC34AC1AF36}" type="datetimeFigureOut">
               <a:rPr lang="de-DE" smtClean="0"/>
-              <a:t>20.06.2024</a:t>
+              <a:t>21.06.2024</a:t>
             </a:fld>
             <a:endParaRPr lang="de-DE"/>
           </a:p>
@@ -2912,7 +2919,7 @@
           <a:p>
             <a:fld id="{CFE7F276-46EF-4953-B2D4-2AC34AC1AF36}" type="datetimeFigureOut">
               <a:rPr lang="de-DE" smtClean="0"/>
-              <a:t>20.06.2024</a:t>
+              <a:t>21.06.2024</a:t>
             </a:fld>
             <a:endParaRPr lang="de-DE"/>
           </a:p>
@@ -3370,511 +3377,7 @@
 </p:sld>
 </file>
 
-<file path=ppt/slides/slide2.xml><?xml version="1.0" encoding="utf-8"?>
-<p:sld xmlns:a="http://schemas.openxmlformats.org/drawingml/2006/main" xmlns:r="http://schemas.openxmlformats.org/officeDocument/2006/relationships" xmlns:p="http://schemas.openxmlformats.org/presentationml/2006/main">
-  <p:cSld>
-    <p:spTree>
-      <p:nvGrpSpPr>
-        <p:cNvPr id="1" name=""/>
-        <p:cNvGrpSpPr/>
-        <p:nvPr/>
-      </p:nvGrpSpPr>
-      <p:grpSpPr>
-        <a:xfrm>
-          <a:off x="0" y="0"/>
-          <a:ext cx="0" cy="0"/>
-          <a:chOff x="0" y="0"/>
-          <a:chExt cx="0" cy="0"/>
-        </a:xfrm>
-      </p:grpSpPr>
-      <p:sp>
-        <p:nvSpPr>
-          <p:cNvPr id="2" name="Titel 1">
-            <a:extLst>
-              <a:ext uri="{FF2B5EF4-FFF2-40B4-BE49-F238E27FC236}">
-                <a16:creationId xmlns:a16="http://schemas.microsoft.com/office/drawing/2014/main" id="{9EF587C9-A9CB-8334-CC8A-1E2B13532CE6}"/>
-              </a:ext>
-            </a:extLst>
-          </p:cNvPr>
-          <p:cNvSpPr>
-            <a:spLocks noGrp="1"/>
-          </p:cNvSpPr>
-          <p:nvPr>
-            <p:ph type="title"/>
-          </p:nvPr>
-        </p:nvSpPr>
-        <p:spPr/>
-        <p:txBody>
-          <a:bodyPr/>
-          <a:lstStyle/>
-          <a:p>
-            <a:r>
-              <a:rPr lang="de-DE" dirty="0"/>
-              <a:t>Was ist ein Infinity Spiegel?</a:t>
-            </a:r>
-          </a:p>
-        </p:txBody>
-      </p:sp>
-      <p:sp>
-        <p:nvSpPr>
-          <p:cNvPr id="3" name="Inhaltsplatzhalter 2">
-            <a:extLst>
-              <a:ext uri="{FF2B5EF4-FFF2-40B4-BE49-F238E27FC236}">
-                <a16:creationId xmlns:a16="http://schemas.microsoft.com/office/drawing/2014/main" id="{3DDC24D2-835D-596E-DB00-F17E7EC9AE84}"/>
-              </a:ext>
-            </a:extLst>
-          </p:cNvPr>
-          <p:cNvSpPr>
-            <a:spLocks noGrp="1"/>
-          </p:cNvSpPr>
-          <p:nvPr>
-            <p:ph idx="1"/>
-          </p:nvPr>
-        </p:nvSpPr>
-        <p:spPr/>
-        <p:txBody>
-          <a:bodyPr/>
-          <a:lstStyle/>
-          <a:p>
-            <a:pPr marL="0" indent="0">
-              <a:buNone/>
-            </a:pPr>
-            <a:r>
-              <a:rPr lang="de-DE" dirty="0"/>
-              <a:t>-- Hier Bild---</a:t>
-            </a:r>
-          </a:p>
-        </p:txBody>
-      </p:sp>
-    </p:spTree>
-    <p:extLst>
-      <p:ext uri="{BB962C8B-B14F-4D97-AF65-F5344CB8AC3E}">
-        <p14:creationId xmlns:p14="http://schemas.microsoft.com/office/powerpoint/2010/main" val="2278596237"/>
-      </p:ext>
-    </p:extLst>
-  </p:cSld>
-  <p:clrMapOvr>
-    <a:masterClrMapping/>
-  </p:clrMapOvr>
-</p:sld>
-</file>
-
-<file path=ppt/slides/slide3.xml><?xml version="1.0" encoding="utf-8"?>
-<p:sld xmlns:a="http://schemas.openxmlformats.org/drawingml/2006/main" xmlns:r="http://schemas.openxmlformats.org/officeDocument/2006/relationships" xmlns:p="http://schemas.openxmlformats.org/presentationml/2006/main">
-  <p:cSld>
-    <p:spTree>
-      <p:nvGrpSpPr>
-        <p:cNvPr id="1" name=""/>
-        <p:cNvGrpSpPr/>
-        <p:nvPr/>
-      </p:nvGrpSpPr>
-      <p:grpSpPr>
-        <a:xfrm>
-          <a:off x="0" y="0"/>
-          <a:ext cx="0" cy="0"/>
-          <a:chOff x="0" y="0"/>
-          <a:chExt cx="0" cy="0"/>
-        </a:xfrm>
-      </p:grpSpPr>
-      <p:sp>
-        <p:nvSpPr>
-          <p:cNvPr id="2" name="Titel 1">
-            <a:extLst>
-              <a:ext uri="{FF2B5EF4-FFF2-40B4-BE49-F238E27FC236}">
-                <a16:creationId xmlns:a16="http://schemas.microsoft.com/office/drawing/2014/main" id="{AD2DF54B-57BA-F336-8231-6F9F338031C8}"/>
-              </a:ext>
-            </a:extLst>
-          </p:cNvPr>
-          <p:cNvSpPr>
-            <a:spLocks noGrp="1"/>
-          </p:cNvSpPr>
-          <p:nvPr>
-            <p:ph type="title"/>
-          </p:nvPr>
-        </p:nvSpPr>
-        <p:spPr/>
-        <p:txBody>
-          <a:bodyPr/>
-          <a:lstStyle/>
-          <a:p>
-            <a:r>
-              <a:rPr lang="de-DE" dirty="0"/>
-              <a:t>Montage </a:t>
-            </a:r>
-          </a:p>
-        </p:txBody>
-      </p:sp>
-      <p:sp>
-        <p:nvSpPr>
-          <p:cNvPr id="3" name="Inhaltsplatzhalter 2">
-            <a:extLst>
-              <a:ext uri="{FF2B5EF4-FFF2-40B4-BE49-F238E27FC236}">
-                <a16:creationId xmlns:a16="http://schemas.microsoft.com/office/drawing/2014/main" id="{FB44403A-0753-A3D0-23FD-A766DDCBFB11}"/>
-              </a:ext>
-            </a:extLst>
-          </p:cNvPr>
-          <p:cNvSpPr>
-            <a:spLocks noGrp="1"/>
-          </p:cNvSpPr>
-          <p:nvPr>
-            <p:ph idx="1"/>
-          </p:nvPr>
-        </p:nvSpPr>
-        <p:spPr/>
-        <p:txBody>
-          <a:bodyPr/>
-          <a:lstStyle/>
-          <a:p>
-            <a:pPr marL="0" indent="0">
-              <a:buNone/>
-            </a:pPr>
-            <a:r>
-              <a:rPr lang="de-DE" dirty="0"/>
-              <a:t>--Hier Bild--</a:t>
-            </a:r>
-          </a:p>
-        </p:txBody>
-      </p:sp>
-    </p:spTree>
-    <p:extLst>
-      <p:ext uri="{BB962C8B-B14F-4D97-AF65-F5344CB8AC3E}">
-        <p14:creationId xmlns:p14="http://schemas.microsoft.com/office/powerpoint/2010/main" val="3001952519"/>
-      </p:ext>
-    </p:extLst>
-  </p:cSld>
-  <p:clrMapOvr>
-    <a:masterClrMapping/>
-  </p:clrMapOvr>
-</p:sld>
-</file>
-
-<file path=ppt/slides/slide4.xml><?xml version="1.0" encoding="utf-8"?>
-<p:sld xmlns:a="http://schemas.openxmlformats.org/drawingml/2006/main" xmlns:r="http://schemas.openxmlformats.org/officeDocument/2006/relationships" xmlns:p="http://schemas.openxmlformats.org/presentationml/2006/main">
-  <p:cSld>
-    <p:spTree>
-      <p:nvGrpSpPr>
-        <p:cNvPr id="1" name=""/>
-        <p:cNvGrpSpPr/>
-        <p:nvPr/>
-      </p:nvGrpSpPr>
-      <p:grpSpPr>
-        <a:xfrm>
-          <a:off x="0" y="0"/>
-          <a:ext cx="0" cy="0"/>
-          <a:chOff x="0" y="0"/>
-          <a:chExt cx="0" cy="0"/>
-        </a:xfrm>
-      </p:grpSpPr>
-      <p:sp>
-        <p:nvSpPr>
-          <p:cNvPr id="2" name="Titel 1">
-            <a:extLst>
-              <a:ext uri="{FF2B5EF4-FFF2-40B4-BE49-F238E27FC236}">
-                <a16:creationId xmlns:a16="http://schemas.microsoft.com/office/drawing/2014/main" id="{690A8C22-18B4-97CA-C2F0-FE6DA629ED13}"/>
-              </a:ext>
-            </a:extLst>
-          </p:cNvPr>
-          <p:cNvSpPr>
-            <a:spLocks noGrp="1"/>
-          </p:cNvSpPr>
-          <p:nvPr>
-            <p:ph type="title"/>
-          </p:nvPr>
-        </p:nvSpPr>
-        <p:spPr/>
-        <p:txBody>
-          <a:bodyPr/>
-          <a:lstStyle/>
-          <a:p>
-            <a:r>
-              <a:rPr lang="de-DE" dirty="0"/>
-              <a:t>Materialliste</a:t>
-            </a:r>
-          </a:p>
-        </p:txBody>
-      </p:sp>
-      <p:graphicFrame>
-        <p:nvGraphicFramePr>
-          <p:cNvPr id="4" name="Tabelle 3">
-            <a:extLst>
-              <a:ext uri="{FF2B5EF4-FFF2-40B4-BE49-F238E27FC236}">
-                <a16:creationId xmlns:a16="http://schemas.microsoft.com/office/drawing/2014/main" id="{E719C799-044E-5339-844A-CD32C8A3989E}"/>
-              </a:ext>
-            </a:extLst>
-          </p:cNvPr>
-          <p:cNvGraphicFramePr>
-            <a:graphicFrameLocks noGrp="1"/>
-          </p:cNvGraphicFramePr>
-          <p:nvPr>
-            <p:extLst>
-              <p:ext uri="{D42A27DB-BD31-4B8C-83A1-F6EECF244321}">
-                <p14:modId xmlns:p14="http://schemas.microsoft.com/office/powerpoint/2010/main" val="1516362600"/>
-              </p:ext>
-            </p:extLst>
-          </p:nvPr>
-        </p:nvGraphicFramePr>
-        <p:xfrm>
-          <a:off x="3896591" y="1690688"/>
-          <a:ext cx="4398818" cy="1854200"/>
-        </p:xfrm>
-        <a:graphic>
-          <a:graphicData uri="http://schemas.openxmlformats.org/drawingml/2006/table">
-            <a:tbl>
-              <a:tblPr firstRow="1" bandRow="1">
-                <a:tableStyleId>{5C22544A-7EE6-4342-B048-85BDC9FD1C3A}</a:tableStyleId>
-              </a:tblPr>
-              <a:tblGrid>
-                <a:gridCol w="4398818">
-                  <a:extLst>
-                    <a:ext uri="{9D8B030D-6E8A-4147-A177-3AD203B41FA5}">
-                      <a16:colId xmlns:a16="http://schemas.microsoft.com/office/drawing/2014/main" val="856757947"/>
-                    </a:ext>
-                  </a:extLst>
-                </a:gridCol>
-              </a:tblGrid>
-              <a:tr h="370840">
-                <a:tc>
-                  <a:txBody>
-                    <a:bodyPr/>
-                    <a:lstStyle/>
-                    <a:p>
-                      <a:pPr algn="ctr"/>
-                      <a:r>
-                        <a:rPr lang="de-DE" dirty="0"/>
-                        <a:t>Spiegel </a:t>
-                      </a:r>
-                    </a:p>
-                  </a:txBody>
-                  <a:tcPr/>
-                </a:tc>
-                <a:extLst>
-                  <a:ext uri="{0D108BD9-81ED-4DB2-BD59-A6C34878D82A}">
-                    <a16:rowId xmlns:a16="http://schemas.microsoft.com/office/drawing/2014/main" val="3584834658"/>
-                  </a:ext>
-                </a:extLst>
-              </a:tr>
-              <a:tr h="370840">
-                <a:tc>
-                  <a:txBody>
-                    <a:bodyPr/>
-                    <a:lstStyle/>
-                    <a:p>
-                      <a:r>
-                        <a:rPr lang="de-DE" dirty="0"/>
-                        <a:t>Plexiglas </a:t>
-                      </a:r>
-                    </a:p>
-                  </a:txBody>
-                  <a:tcPr/>
-                </a:tc>
-                <a:extLst>
-                  <a:ext uri="{0D108BD9-81ED-4DB2-BD59-A6C34878D82A}">
-                    <a16:rowId xmlns:a16="http://schemas.microsoft.com/office/drawing/2014/main" val="3619284051"/>
-                  </a:ext>
-                </a:extLst>
-              </a:tr>
-              <a:tr h="370840">
-                <a:tc>
-                  <a:txBody>
-                    <a:bodyPr/>
-                    <a:lstStyle/>
-                    <a:p>
-                      <a:r>
-                        <a:rPr lang="de-DE" dirty="0"/>
-                        <a:t>Spiegelfolie</a:t>
-                      </a:r>
-                    </a:p>
-                  </a:txBody>
-                  <a:tcPr/>
-                </a:tc>
-                <a:extLst>
-                  <a:ext uri="{0D108BD9-81ED-4DB2-BD59-A6C34878D82A}">
-                    <a16:rowId xmlns:a16="http://schemas.microsoft.com/office/drawing/2014/main" val="194043829"/>
-                  </a:ext>
-                </a:extLst>
-              </a:tr>
-              <a:tr h="370840">
-                <a:tc>
-                  <a:txBody>
-                    <a:bodyPr/>
-                    <a:lstStyle/>
-                    <a:p>
-                      <a:r>
-                        <a:rPr lang="de-DE" dirty="0"/>
-                        <a:t>Rahmenholz </a:t>
-                      </a:r>
-                    </a:p>
-                  </a:txBody>
-                  <a:tcPr/>
-                </a:tc>
-                <a:extLst>
-                  <a:ext uri="{0D108BD9-81ED-4DB2-BD59-A6C34878D82A}">
-                    <a16:rowId xmlns:a16="http://schemas.microsoft.com/office/drawing/2014/main" val="1987516873"/>
-                  </a:ext>
-                </a:extLst>
-              </a:tr>
-              <a:tr h="370840">
-                <a:tc>
-                  <a:txBody>
-                    <a:bodyPr/>
-                    <a:lstStyle/>
-                    <a:p>
-                      <a:r>
-                        <a:rPr lang="de-DE" dirty="0"/>
-                        <a:t>Spiegel </a:t>
-                      </a:r>
-                    </a:p>
-                  </a:txBody>
-                  <a:tcPr/>
-                </a:tc>
-                <a:extLst>
-                  <a:ext uri="{0D108BD9-81ED-4DB2-BD59-A6C34878D82A}">
-                    <a16:rowId xmlns:a16="http://schemas.microsoft.com/office/drawing/2014/main" val="1716388728"/>
-                  </a:ext>
-                </a:extLst>
-              </a:tr>
-            </a:tbl>
-          </a:graphicData>
-        </a:graphic>
-      </p:graphicFrame>
-      <p:graphicFrame>
-        <p:nvGraphicFramePr>
-          <p:cNvPr id="5" name="Tabelle 4">
-            <a:extLst>
-              <a:ext uri="{FF2B5EF4-FFF2-40B4-BE49-F238E27FC236}">
-                <a16:creationId xmlns:a16="http://schemas.microsoft.com/office/drawing/2014/main" id="{8DDCE1C1-B307-C651-3D06-AB98C9737013}"/>
-              </a:ext>
-            </a:extLst>
-          </p:cNvPr>
-          <p:cNvGraphicFramePr>
-            <a:graphicFrameLocks noGrp="1"/>
-          </p:cNvGraphicFramePr>
-          <p:nvPr>
-            <p:extLst>
-              <p:ext uri="{D42A27DB-BD31-4B8C-83A1-F6EECF244321}">
-                <p14:modId xmlns:p14="http://schemas.microsoft.com/office/powerpoint/2010/main" val="1333355817"/>
-              </p:ext>
-            </p:extLst>
-          </p:nvPr>
-        </p:nvGraphicFramePr>
-        <p:xfrm>
-          <a:off x="3896591" y="4344596"/>
-          <a:ext cx="4398818" cy="1645432"/>
-        </p:xfrm>
-        <a:graphic>
-          <a:graphicData uri="http://schemas.openxmlformats.org/drawingml/2006/table">
-            <a:tbl>
-              <a:tblPr firstRow="1" bandRow="1">
-                <a:tableStyleId>{5C22544A-7EE6-4342-B048-85BDC9FD1C3A}</a:tableStyleId>
-              </a:tblPr>
-              <a:tblGrid>
-                <a:gridCol w="4398818">
-                  <a:extLst>
-                    <a:ext uri="{9D8B030D-6E8A-4147-A177-3AD203B41FA5}">
-                      <a16:colId xmlns:a16="http://schemas.microsoft.com/office/drawing/2014/main" val="1021650704"/>
-                    </a:ext>
-                  </a:extLst>
-                </a:gridCol>
-              </a:tblGrid>
-              <a:tr h="411358">
-                <a:tc>
-                  <a:txBody>
-                    <a:bodyPr/>
-                    <a:lstStyle/>
-                    <a:p>
-                      <a:pPr algn="ctr"/>
-                      <a:r>
-                        <a:rPr lang="de-DE" i="0" dirty="0"/>
-                        <a:t>Anzeige und Licht</a:t>
-                      </a:r>
-                    </a:p>
-                  </a:txBody>
-                  <a:tcPr/>
-                </a:tc>
-                <a:extLst>
-                  <a:ext uri="{0D108BD9-81ED-4DB2-BD59-A6C34878D82A}">
-                    <a16:rowId xmlns:a16="http://schemas.microsoft.com/office/drawing/2014/main" val="1878885761"/>
-                  </a:ext>
-                </a:extLst>
-              </a:tr>
-              <a:tr h="411358">
-                <a:tc>
-                  <a:txBody>
-                    <a:bodyPr/>
-                    <a:lstStyle/>
-                    <a:p>
-                      <a:r>
-                        <a:rPr lang="de-DE" dirty="0"/>
-                        <a:t>Raspberry Pi</a:t>
-                      </a:r>
-                    </a:p>
-                  </a:txBody>
-                  <a:tcPr/>
-                </a:tc>
-                <a:extLst>
-                  <a:ext uri="{0D108BD9-81ED-4DB2-BD59-A6C34878D82A}">
-                    <a16:rowId xmlns:a16="http://schemas.microsoft.com/office/drawing/2014/main" val="1413296552"/>
-                  </a:ext>
-                </a:extLst>
-              </a:tr>
-              <a:tr h="411358">
-                <a:tc>
-                  <a:txBody>
-                    <a:bodyPr/>
-                    <a:lstStyle/>
-                    <a:p>
-                      <a:r>
-                        <a:rPr lang="de-DE" dirty="0"/>
-                        <a:t>LED-Lichtstreifen</a:t>
-                      </a:r>
-                    </a:p>
-                  </a:txBody>
-                  <a:tcPr/>
-                </a:tc>
-                <a:extLst>
-                  <a:ext uri="{0D108BD9-81ED-4DB2-BD59-A6C34878D82A}">
-                    <a16:rowId xmlns:a16="http://schemas.microsoft.com/office/drawing/2014/main" val="1202254808"/>
-                  </a:ext>
-                </a:extLst>
-              </a:tr>
-              <a:tr h="411358">
-                <a:tc>
-                  <a:txBody>
-                    <a:bodyPr/>
-                    <a:lstStyle/>
-                    <a:p>
-                      <a:r>
-                        <a:rPr lang="de-DE" dirty="0"/>
-                        <a:t>Display </a:t>
-                      </a:r>
-                    </a:p>
-                  </a:txBody>
-                  <a:tcPr/>
-                </a:tc>
-                <a:extLst>
-                  <a:ext uri="{0D108BD9-81ED-4DB2-BD59-A6C34878D82A}">
-                    <a16:rowId xmlns:a16="http://schemas.microsoft.com/office/drawing/2014/main" val="922737220"/>
-                  </a:ext>
-                </a:extLst>
-              </a:tr>
-            </a:tbl>
-          </a:graphicData>
-        </a:graphic>
-      </p:graphicFrame>
-    </p:spTree>
-    <p:extLst>
-      <p:ext uri="{BB962C8B-B14F-4D97-AF65-F5344CB8AC3E}">
-        <p14:creationId xmlns:p14="http://schemas.microsoft.com/office/powerpoint/2010/main" val="3016160154"/>
-      </p:ext>
-    </p:extLst>
-  </p:cSld>
-  <p:clrMapOvr>
-    <a:masterClrMapping/>
-  </p:clrMapOvr>
-</p:sld>
-</file>
-
-<file path=ppt/slides/slide5.xml><?xml version="1.0" encoding="utf-8"?>
+<file path=ppt/slides/slide10.xml><?xml version="1.0" encoding="utf-8"?>
 <p:sld xmlns:a="http://schemas.openxmlformats.org/drawingml/2006/main" xmlns:r="http://schemas.openxmlformats.org/officeDocument/2006/relationships" xmlns:p="http://schemas.openxmlformats.org/presentationml/2006/main">
   <p:cSld>
     <p:spTree>
@@ -4057,1269 +3560,7 @@
             <a:p>
               <a:r>
                 <a:rPr lang="de-DE" dirty="0"/>
-                <a:t>+</a:t>
-              </a:r>
-              <a:r>
-                <a:rPr lang="de-DE" dirty="0" err="1"/>
-                <a:t>setting_file</a:t>
-              </a:r>
-              <a:endParaRPr lang="de-DE" dirty="0"/>
-            </a:p>
-            <a:p>
-              <a:r>
-                <a:rPr lang="de-DE" dirty="0"/>
                 <a:t>+ </a:t>
-              </a:r>
-              <a:r>
-                <a:rPr lang="de-DE" dirty="0" err="1"/>
-                <a:t>set_location_settings</a:t>
-              </a:r>
-              <a:r>
-                <a:rPr lang="de-DE" dirty="0"/>
-                <a:t>()</a:t>
-              </a:r>
-            </a:p>
-          </p:txBody>
-        </p:sp>
-      </p:grpSp>
-    </p:spTree>
-    <p:extLst>
-      <p:ext uri="{BB962C8B-B14F-4D97-AF65-F5344CB8AC3E}">
-        <p14:creationId xmlns:p14="http://schemas.microsoft.com/office/powerpoint/2010/main" val="2667384273"/>
-      </p:ext>
-    </p:extLst>
-  </p:cSld>
-  <p:clrMapOvr>
-    <a:masterClrMapping/>
-  </p:clrMapOvr>
-</p:sld>
-</file>
-
-<file path=ppt/slides/slide6.xml><?xml version="1.0" encoding="utf-8"?>
-<p:sld xmlns:a="http://schemas.openxmlformats.org/drawingml/2006/main" xmlns:r="http://schemas.openxmlformats.org/officeDocument/2006/relationships" xmlns:p="http://schemas.openxmlformats.org/presentationml/2006/main">
-  <p:cSld>
-    <p:spTree>
-      <p:nvGrpSpPr>
-        <p:cNvPr id="1" name=""/>
-        <p:cNvGrpSpPr/>
-        <p:nvPr/>
-      </p:nvGrpSpPr>
-      <p:grpSpPr>
-        <a:xfrm>
-          <a:off x="0" y="0"/>
-          <a:ext cx="0" cy="0"/>
-          <a:chOff x="0" y="0"/>
-          <a:chExt cx="0" cy="0"/>
-        </a:xfrm>
-      </p:grpSpPr>
-      <p:sp>
-        <p:nvSpPr>
-          <p:cNvPr id="2" name="Titel 1">
-            <a:extLst>
-              <a:ext uri="{FF2B5EF4-FFF2-40B4-BE49-F238E27FC236}">
-                <a16:creationId xmlns:a16="http://schemas.microsoft.com/office/drawing/2014/main" id="{DFD14CA3-8F2F-1436-5EE2-08AF44B20463}"/>
-              </a:ext>
-            </a:extLst>
-          </p:cNvPr>
-          <p:cNvSpPr>
-            <a:spLocks noGrp="1"/>
-          </p:cNvSpPr>
-          <p:nvPr>
-            <p:ph type="title"/>
-          </p:nvPr>
-        </p:nvSpPr>
-        <p:spPr/>
-        <p:txBody>
-          <a:bodyPr/>
-          <a:lstStyle/>
-          <a:p>
-            <a:r>
-              <a:rPr lang="de-DE" dirty="0"/>
-              <a:t>Display </a:t>
-            </a:r>
-          </a:p>
-        </p:txBody>
-      </p:sp>
-      <p:pic>
-        <p:nvPicPr>
-          <p:cNvPr id="9" name="Inhaltsplatzhalter 8" descr="Ein Bild, das Text, Schrift, Screenshot enthält.&#10;&#10;Automatisch generierte Beschreibung">
-            <a:extLst>
-              <a:ext uri="{FF2B5EF4-FFF2-40B4-BE49-F238E27FC236}">
-                <a16:creationId xmlns:a16="http://schemas.microsoft.com/office/drawing/2014/main" id="{A7C601A7-2691-33D3-BE49-0796BC4DABBC}"/>
-              </a:ext>
-            </a:extLst>
-          </p:cNvPr>
-          <p:cNvPicPr>
-            <a:picLocks noGrp="1" noChangeAspect="1"/>
-          </p:cNvPicPr>
-          <p:nvPr>
-            <p:ph idx="1"/>
-          </p:nvPr>
-        </p:nvPicPr>
-        <p:blipFill>
-          <a:blip r:embed="rId2">
-            <a:extLst>
-              <a:ext uri="{28A0092B-C50C-407E-A947-70E740481C1C}">
-                <a14:useLocalDpi xmlns:a14="http://schemas.microsoft.com/office/drawing/2010/main" val="0"/>
-              </a:ext>
-            </a:extLst>
-          </a:blip>
-          <a:stretch>
-            <a:fillRect/>
-          </a:stretch>
-        </p:blipFill>
-        <p:spPr>
-          <a:xfrm>
-            <a:off x="611955" y="2368266"/>
-            <a:ext cx="4505954" cy="1514686"/>
-          </a:xfrm>
-        </p:spPr>
-      </p:pic>
-      <p:sp>
-        <p:nvSpPr>
-          <p:cNvPr id="10" name="Textfeld 9">
-            <a:extLst>
-              <a:ext uri="{FF2B5EF4-FFF2-40B4-BE49-F238E27FC236}">
-                <a16:creationId xmlns:a16="http://schemas.microsoft.com/office/drawing/2014/main" id="{3B063A7E-03DC-4182-CD78-6201AE22DF82}"/>
-              </a:ext>
-            </a:extLst>
-          </p:cNvPr>
-          <p:cNvSpPr txBox="1"/>
-          <p:nvPr/>
-        </p:nvSpPr>
-        <p:spPr>
-          <a:xfrm>
-            <a:off x="605074" y="1690688"/>
-            <a:ext cx="4280556" cy="584775"/>
-          </a:xfrm>
-          <a:prstGeom prst="rect">
-            <a:avLst/>
-          </a:prstGeom>
-          <a:noFill/>
-        </p:spPr>
-        <p:txBody>
-          <a:bodyPr wrap="square" rtlCol="0">
-            <a:spAutoFit/>
-          </a:bodyPr>
-          <a:lstStyle/>
-          <a:p>
-            <a:r>
-              <a:rPr lang="de-DE" sz="3200" dirty="0"/>
-              <a:t>Eingabe:</a:t>
-            </a:r>
-          </a:p>
-        </p:txBody>
-      </p:sp>
-      <p:pic>
-        <p:nvPicPr>
-          <p:cNvPr id="12" name="Grafik 11" descr="Ein Bild, das Text, Schrift, Screenshot, Zahl enthält.&#10;&#10;Automatisch generierte Beschreibung">
-            <a:extLst>
-              <a:ext uri="{FF2B5EF4-FFF2-40B4-BE49-F238E27FC236}">
-                <a16:creationId xmlns:a16="http://schemas.microsoft.com/office/drawing/2014/main" id="{FA53C68A-ABE8-B40B-714D-21E4B3D714E9}"/>
-              </a:ext>
-            </a:extLst>
-          </p:cNvPr>
-          <p:cNvPicPr>
-            <a:picLocks noChangeAspect="1"/>
-          </p:cNvPicPr>
-          <p:nvPr/>
-        </p:nvPicPr>
-        <p:blipFill>
-          <a:blip r:embed="rId3">
-            <a:extLst>
-              <a:ext uri="{28A0092B-C50C-407E-A947-70E740481C1C}">
-                <a14:useLocalDpi xmlns:a14="http://schemas.microsoft.com/office/drawing/2010/main" val="0"/>
-              </a:ext>
-            </a:extLst>
-          </a:blip>
-          <a:stretch>
-            <a:fillRect/>
-          </a:stretch>
-        </p:blipFill>
-        <p:spPr>
-          <a:xfrm>
-            <a:off x="3505167" y="4769471"/>
-            <a:ext cx="6677957" cy="1438476"/>
-          </a:xfrm>
-          <a:prstGeom prst="rect">
-            <a:avLst/>
-          </a:prstGeom>
-        </p:spPr>
-      </p:pic>
-      <p:cxnSp>
-        <p:nvCxnSpPr>
-          <p:cNvPr id="14" name="Gerade Verbindung mit Pfeil 13">
-            <a:extLst>
-              <a:ext uri="{FF2B5EF4-FFF2-40B4-BE49-F238E27FC236}">
-                <a16:creationId xmlns:a16="http://schemas.microsoft.com/office/drawing/2014/main" id="{C2351D45-43D1-EAD5-EACB-9CDBBAC5B26A}"/>
-              </a:ext>
-            </a:extLst>
-          </p:cNvPr>
-          <p:cNvCxnSpPr>
-            <a:cxnSpLocks/>
-            <a:stCxn id="9" idx="3"/>
-          </p:cNvCxnSpPr>
-          <p:nvPr/>
-        </p:nvCxnSpPr>
-        <p:spPr>
-          <a:xfrm>
-            <a:off x="5117909" y="3125609"/>
-            <a:ext cx="3943795" cy="1729855"/>
-          </a:xfrm>
-          <a:prstGeom prst="straightConnector1">
-            <a:avLst/>
-          </a:prstGeom>
-          <a:ln w="41275">
-            <a:tailEnd type="triangle"/>
-          </a:ln>
-        </p:spPr>
-        <p:style>
-          <a:lnRef idx="2">
-            <a:schemeClr val="dk1"/>
-          </a:lnRef>
-          <a:fillRef idx="0">
-            <a:schemeClr val="dk1"/>
-          </a:fillRef>
-          <a:effectRef idx="1">
-            <a:schemeClr val="dk1"/>
-          </a:effectRef>
-          <a:fontRef idx="minor">
-            <a:schemeClr val="tx1"/>
-          </a:fontRef>
-        </p:style>
-      </p:cxnSp>
-    </p:spTree>
-    <p:extLst>
-      <p:ext uri="{BB962C8B-B14F-4D97-AF65-F5344CB8AC3E}">
-        <p14:creationId xmlns:p14="http://schemas.microsoft.com/office/powerpoint/2010/main" val="663729643"/>
-      </p:ext>
-    </p:extLst>
-  </p:cSld>
-  <p:clrMapOvr>
-    <a:masterClrMapping/>
-  </p:clrMapOvr>
-  <p:timing>
-    <p:tnLst>
-      <p:par>
-        <p:cTn id="1" dur="indefinite" restart="never" nodeType="tmRoot">
-          <p:childTnLst>
-            <p:seq concurrent="1" nextAc="seek">
-              <p:cTn id="2" dur="indefinite" nodeType="mainSeq">
-                <p:childTnLst>
-                  <p:par>
-                    <p:cTn id="3" fill="hold">
-                      <p:stCondLst>
-                        <p:cond delay="indefinite"/>
-                      </p:stCondLst>
-                      <p:childTnLst>
-                        <p:par>
-                          <p:cTn id="4" fill="hold">
-                            <p:stCondLst>
-                              <p:cond delay="0"/>
-                            </p:stCondLst>
-                            <p:childTnLst>
-                              <p:par>
-                                <p:cTn id="5" presetID="1" presetClass="entr" presetSubtype="0" fill="hold" nodeType="clickEffect">
-                                  <p:stCondLst>
-                                    <p:cond delay="0"/>
-                                  </p:stCondLst>
-                                  <p:childTnLst>
-                                    <p:set>
-                                      <p:cBhvr>
-                                        <p:cTn id="6" dur="1" fill="hold">
-                                          <p:stCondLst>
-                                            <p:cond delay="0"/>
-                                          </p:stCondLst>
-                                        </p:cTn>
-                                        <p:tgtEl>
-                                          <p:spTgt spid="9"/>
-                                        </p:tgtEl>
-                                        <p:attrNameLst>
-                                          <p:attrName>style.visibility</p:attrName>
-                                        </p:attrNameLst>
-                                      </p:cBhvr>
-                                      <p:to>
-                                        <p:strVal val="visible"/>
-                                      </p:to>
-                                    </p:set>
-                                  </p:childTnLst>
-                                </p:cTn>
-                              </p:par>
-                            </p:childTnLst>
-                          </p:cTn>
-                        </p:par>
-                      </p:childTnLst>
-                    </p:cTn>
-                  </p:par>
-                  <p:par>
-                    <p:cTn id="7" fill="hold">
-                      <p:stCondLst>
-                        <p:cond delay="indefinite"/>
-                      </p:stCondLst>
-                      <p:childTnLst>
-                        <p:par>
-                          <p:cTn id="8" fill="hold">
-                            <p:stCondLst>
-                              <p:cond delay="0"/>
-                            </p:stCondLst>
-                            <p:childTnLst>
-                              <p:par>
-                                <p:cTn id="9" presetID="1" presetClass="entr" presetSubtype="0" fill="hold" nodeType="clickEffect">
-                                  <p:stCondLst>
-                                    <p:cond delay="0"/>
-                                  </p:stCondLst>
-                                  <p:childTnLst>
-                                    <p:set>
-                                      <p:cBhvr>
-                                        <p:cTn id="10" dur="1" fill="hold">
-                                          <p:stCondLst>
-                                            <p:cond delay="0"/>
-                                          </p:stCondLst>
-                                        </p:cTn>
-                                        <p:tgtEl>
-                                          <p:spTgt spid="12"/>
-                                        </p:tgtEl>
-                                        <p:attrNameLst>
-                                          <p:attrName>style.visibility</p:attrName>
-                                        </p:attrNameLst>
-                                      </p:cBhvr>
-                                      <p:to>
-                                        <p:strVal val="visible"/>
-                                      </p:to>
-                                    </p:set>
-                                  </p:childTnLst>
-                                </p:cTn>
-                              </p:par>
-                            </p:childTnLst>
-                          </p:cTn>
-                        </p:par>
-                      </p:childTnLst>
-                    </p:cTn>
-                  </p:par>
-                  <p:par>
-                    <p:cTn id="11" fill="hold">
-                      <p:stCondLst>
-                        <p:cond delay="indefinite"/>
-                      </p:stCondLst>
-                      <p:childTnLst>
-                        <p:par>
-                          <p:cTn id="12" fill="hold">
-                            <p:stCondLst>
-                              <p:cond delay="0"/>
-                            </p:stCondLst>
-                            <p:childTnLst>
-                              <p:par>
-                                <p:cTn id="13" presetID="1" presetClass="entr" presetSubtype="0" fill="hold" nodeType="clickEffect">
-                                  <p:stCondLst>
-                                    <p:cond delay="0"/>
-                                  </p:stCondLst>
-                                  <p:childTnLst>
-                                    <p:set>
-                                      <p:cBhvr>
-                                        <p:cTn id="14" dur="1" fill="hold">
-                                          <p:stCondLst>
-                                            <p:cond delay="0"/>
-                                          </p:stCondLst>
-                                        </p:cTn>
-                                        <p:tgtEl>
-                                          <p:spTgt spid="14"/>
-                                        </p:tgtEl>
-                                        <p:attrNameLst>
-                                          <p:attrName>style.visibility</p:attrName>
-                                        </p:attrNameLst>
-                                      </p:cBhvr>
-                                      <p:to>
-                                        <p:strVal val="visible"/>
-                                      </p:to>
-                                    </p:set>
-                                  </p:childTnLst>
-                                </p:cTn>
-                              </p:par>
-                            </p:childTnLst>
-                          </p:cTn>
-                        </p:par>
-                      </p:childTnLst>
-                    </p:cTn>
-                  </p:par>
-                </p:childTnLst>
-              </p:cTn>
-              <p:prevCondLst>
-                <p:cond evt="onPrev" delay="0">
-                  <p:tgtEl>
-                    <p:sldTgt/>
-                  </p:tgtEl>
-                </p:cond>
-              </p:prevCondLst>
-              <p:nextCondLst>
-                <p:cond evt="onNext" delay="0">
-                  <p:tgtEl>
-                    <p:sldTgt/>
-                  </p:tgtEl>
-                </p:cond>
-              </p:nextCondLst>
-            </p:seq>
-          </p:childTnLst>
-        </p:cTn>
-      </p:par>
-    </p:tnLst>
-  </p:timing>
-</p:sld>
-</file>
-
-<file path=ppt/slides/slide7.xml><?xml version="1.0" encoding="utf-8"?>
-<p:sld xmlns:a="http://schemas.openxmlformats.org/drawingml/2006/main" xmlns:r="http://schemas.openxmlformats.org/officeDocument/2006/relationships" xmlns:p="http://schemas.openxmlformats.org/presentationml/2006/main">
-  <p:cSld>
-    <p:spTree>
-      <p:nvGrpSpPr>
-        <p:cNvPr id="1" name=""/>
-        <p:cNvGrpSpPr/>
-        <p:nvPr/>
-      </p:nvGrpSpPr>
-      <p:grpSpPr>
-        <a:xfrm>
-          <a:off x="0" y="0"/>
-          <a:ext cx="0" cy="0"/>
-          <a:chOff x="0" y="0"/>
-          <a:chExt cx="0" cy="0"/>
-        </a:xfrm>
-      </p:grpSpPr>
-      <p:grpSp>
-        <p:nvGrpSpPr>
-          <p:cNvPr id="54" name="Gruppieren 53">
-            <a:extLst>
-              <a:ext uri="{FF2B5EF4-FFF2-40B4-BE49-F238E27FC236}">
-                <a16:creationId xmlns:a16="http://schemas.microsoft.com/office/drawing/2014/main" id="{685183EE-EC5C-ACDB-5DF0-A8D3AB86B31D}"/>
-              </a:ext>
-            </a:extLst>
-          </p:cNvPr>
-          <p:cNvGrpSpPr/>
-          <p:nvPr/>
-        </p:nvGrpSpPr>
-        <p:grpSpPr>
-          <a:xfrm>
-            <a:off x="2038373" y="1005245"/>
-            <a:ext cx="2764536" cy="1642398"/>
-            <a:chOff x="2287755" y="1725681"/>
-            <a:chExt cx="2764536" cy="1642398"/>
-          </a:xfrm>
-        </p:grpSpPr>
-        <p:sp>
-          <p:nvSpPr>
-            <p:cNvPr id="5" name="Rechteck 4">
-              <a:extLst>
-                <a:ext uri="{FF2B5EF4-FFF2-40B4-BE49-F238E27FC236}">
-                  <a16:creationId xmlns:a16="http://schemas.microsoft.com/office/drawing/2014/main" id="{28708865-B31A-FAEB-0A76-8DBD144A3DE4}"/>
-                </a:ext>
-              </a:extLst>
-            </p:cNvPr>
-            <p:cNvSpPr/>
-            <p:nvPr/>
-          </p:nvSpPr>
-          <p:spPr>
-            <a:xfrm>
-              <a:off x="2287755" y="2356617"/>
-              <a:ext cx="2764536" cy="1011462"/>
-            </a:xfrm>
-            <a:prstGeom prst="rect">
-              <a:avLst/>
-            </a:prstGeom>
-            <a:solidFill>
-              <a:schemeClr val="bg1"/>
-            </a:solidFill>
-          </p:spPr>
-          <p:style>
-            <a:lnRef idx="2">
-              <a:schemeClr val="accent1">
-                <a:shade val="15000"/>
-              </a:schemeClr>
-            </a:lnRef>
-            <a:fillRef idx="1">
-              <a:schemeClr val="accent1"/>
-            </a:fillRef>
-            <a:effectRef idx="0">
-              <a:schemeClr val="accent1"/>
-            </a:effectRef>
-            <a:fontRef idx="minor">
-              <a:schemeClr val="lt1"/>
-            </a:fontRef>
-          </p:style>
-          <p:txBody>
-            <a:bodyPr rtlCol="0" anchor="ctr"/>
-            <a:lstStyle/>
-            <a:p>
-              <a:pPr algn="ctr"/>
-              <a:endParaRPr lang="de-DE" dirty="0"/>
-            </a:p>
-          </p:txBody>
-        </p:sp>
-        <p:sp>
-          <p:nvSpPr>
-            <p:cNvPr id="8" name="Rechteck 7">
-              <a:extLst>
-                <a:ext uri="{FF2B5EF4-FFF2-40B4-BE49-F238E27FC236}">
-                  <a16:creationId xmlns:a16="http://schemas.microsoft.com/office/drawing/2014/main" id="{6EC5C559-8212-7890-0597-6DC1CD3DC703}"/>
-                </a:ext>
-              </a:extLst>
-            </p:cNvPr>
-            <p:cNvSpPr/>
-            <p:nvPr/>
-          </p:nvSpPr>
-          <p:spPr>
-            <a:xfrm>
-              <a:off x="2287755" y="1725681"/>
-              <a:ext cx="2764536" cy="643493"/>
-            </a:xfrm>
-            <a:prstGeom prst="rect">
-              <a:avLst/>
-            </a:prstGeom>
-            <a:solidFill>
-              <a:schemeClr val="bg1"/>
-            </a:solidFill>
-          </p:spPr>
-          <p:style>
-            <a:lnRef idx="2">
-              <a:schemeClr val="accent1">
-                <a:shade val="15000"/>
-              </a:schemeClr>
-            </a:lnRef>
-            <a:fillRef idx="1">
-              <a:schemeClr val="accent1"/>
-            </a:fillRef>
-            <a:effectRef idx="0">
-              <a:schemeClr val="accent1"/>
-            </a:effectRef>
-            <a:fontRef idx="minor">
-              <a:schemeClr val="lt1"/>
-            </a:fontRef>
-          </p:style>
-          <p:txBody>
-            <a:bodyPr rtlCol="0" anchor="ctr"/>
-            <a:lstStyle/>
-            <a:p>
-              <a:pPr algn="ctr"/>
-              <a:r>
-                <a:rPr lang="de-DE" dirty="0">
-                  <a:solidFill>
-                    <a:schemeClr val="tx1"/>
-                  </a:solidFill>
-                </a:rPr>
-                <a:t>Settings</a:t>
-              </a:r>
-            </a:p>
-          </p:txBody>
-        </p:sp>
-        <p:sp>
-          <p:nvSpPr>
-            <p:cNvPr id="9" name="Textfeld 8">
-              <a:extLst>
-                <a:ext uri="{FF2B5EF4-FFF2-40B4-BE49-F238E27FC236}">
-                  <a16:creationId xmlns:a16="http://schemas.microsoft.com/office/drawing/2014/main" id="{12F308FA-3246-75FD-9D28-5FBEF71AA4E3}"/>
-                </a:ext>
-              </a:extLst>
-            </p:cNvPr>
-            <p:cNvSpPr txBox="1"/>
-            <p:nvPr/>
-          </p:nvSpPr>
-          <p:spPr>
-            <a:xfrm>
-              <a:off x="2287755" y="2411896"/>
-              <a:ext cx="2764536" cy="923330"/>
-            </a:xfrm>
-            <a:prstGeom prst="rect">
-              <a:avLst/>
-            </a:prstGeom>
-            <a:noFill/>
-          </p:spPr>
-          <p:txBody>
-            <a:bodyPr wrap="square" rtlCol="0">
-              <a:spAutoFit/>
-            </a:bodyPr>
-            <a:lstStyle/>
-            <a:p>
-              <a:r>
-                <a:rPr lang="de-DE" dirty="0"/>
-                <a:t>+ </a:t>
-              </a:r>
-              <a:r>
-                <a:rPr lang="de-DE" dirty="0" err="1"/>
-                <a:t>user</a:t>
-              </a:r>
-              <a:endParaRPr lang="de-DE" dirty="0"/>
-            </a:p>
-            <a:p>
-              <a:r>
-                <a:rPr lang="de-DE" dirty="0"/>
-                <a:t>+</a:t>
-              </a:r>
-              <a:r>
-                <a:rPr lang="de-DE" dirty="0" err="1"/>
-                <a:t>setting_file</a:t>
-              </a:r>
-              <a:endParaRPr lang="de-DE" dirty="0"/>
-            </a:p>
-            <a:p>
-              <a:r>
-                <a:rPr lang="de-DE" dirty="0"/>
-                <a:t>+ </a:t>
-              </a:r>
-              <a:r>
-                <a:rPr lang="de-DE" dirty="0" err="1"/>
-                <a:t>set_location_settings</a:t>
-              </a:r>
-              <a:r>
-                <a:rPr lang="de-DE" dirty="0"/>
-                <a:t>()</a:t>
-              </a:r>
-            </a:p>
-          </p:txBody>
-        </p:sp>
-      </p:grpSp>
-      <p:grpSp>
-        <p:nvGrpSpPr>
-          <p:cNvPr id="18" name="Gruppieren 17">
-            <a:extLst>
-              <a:ext uri="{FF2B5EF4-FFF2-40B4-BE49-F238E27FC236}">
-                <a16:creationId xmlns:a16="http://schemas.microsoft.com/office/drawing/2014/main" id="{56E32BFE-569A-28B5-0A51-517DA35F43D6}"/>
-              </a:ext>
-            </a:extLst>
-          </p:cNvPr>
-          <p:cNvGrpSpPr/>
-          <p:nvPr/>
-        </p:nvGrpSpPr>
-        <p:grpSpPr>
-          <a:xfrm>
-            <a:off x="2701015" y="3293974"/>
-            <a:ext cx="2767584" cy="2136803"/>
-            <a:chOff x="4032504" y="2389632"/>
-            <a:chExt cx="2767584" cy="2136803"/>
-          </a:xfrm>
-        </p:grpSpPr>
-        <p:sp>
-          <p:nvSpPr>
-            <p:cNvPr id="13" name="Rechteck 12">
-              <a:extLst>
-                <a:ext uri="{FF2B5EF4-FFF2-40B4-BE49-F238E27FC236}">
-                  <a16:creationId xmlns:a16="http://schemas.microsoft.com/office/drawing/2014/main" id="{FFB30BF3-8C68-D5A8-B413-EAD398C02FD0}"/>
-                </a:ext>
-              </a:extLst>
-            </p:cNvPr>
-            <p:cNvSpPr/>
-            <p:nvPr/>
-          </p:nvSpPr>
-          <p:spPr>
-            <a:xfrm>
-              <a:off x="4035552" y="3803904"/>
-              <a:ext cx="2764536" cy="722531"/>
-            </a:xfrm>
-            <a:prstGeom prst="rect">
-              <a:avLst/>
-            </a:prstGeom>
-            <a:solidFill>
-              <a:schemeClr val="bg1"/>
-            </a:solidFill>
-          </p:spPr>
-          <p:style>
-            <a:lnRef idx="2">
-              <a:schemeClr val="accent1">
-                <a:shade val="15000"/>
-              </a:schemeClr>
-            </a:lnRef>
-            <a:fillRef idx="1">
-              <a:schemeClr val="accent1"/>
-            </a:fillRef>
-            <a:effectRef idx="0">
-              <a:schemeClr val="accent1"/>
-            </a:effectRef>
-            <a:fontRef idx="minor">
-              <a:schemeClr val="lt1"/>
-            </a:fontRef>
-          </p:style>
-          <p:txBody>
-            <a:bodyPr rtlCol="0" anchor="ctr"/>
-            <a:lstStyle/>
-            <a:p>
-              <a:pPr algn="ctr"/>
-              <a:endParaRPr lang="de-DE" dirty="0"/>
-            </a:p>
-          </p:txBody>
-        </p:sp>
-        <p:sp>
-          <p:nvSpPr>
-            <p:cNvPr id="14" name="Rechteck 13">
-              <a:extLst>
-                <a:ext uri="{FF2B5EF4-FFF2-40B4-BE49-F238E27FC236}">
-                  <a16:creationId xmlns:a16="http://schemas.microsoft.com/office/drawing/2014/main" id="{75196288-88E0-CF41-DF90-A36F1C0228C4}"/>
-                </a:ext>
-              </a:extLst>
-            </p:cNvPr>
-            <p:cNvSpPr/>
-            <p:nvPr/>
-          </p:nvSpPr>
-          <p:spPr>
-            <a:xfrm>
-              <a:off x="4035552" y="2389632"/>
-              <a:ext cx="2764536" cy="707136"/>
-            </a:xfrm>
-            <a:prstGeom prst="rect">
-              <a:avLst/>
-            </a:prstGeom>
-            <a:solidFill>
-              <a:schemeClr val="bg1"/>
-            </a:solidFill>
-          </p:spPr>
-          <p:style>
-            <a:lnRef idx="2">
-              <a:schemeClr val="accent1">
-                <a:shade val="15000"/>
-              </a:schemeClr>
-            </a:lnRef>
-            <a:fillRef idx="1">
-              <a:schemeClr val="accent1"/>
-            </a:fillRef>
-            <a:effectRef idx="0">
-              <a:schemeClr val="accent1"/>
-            </a:effectRef>
-            <a:fontRef idx="minor">
-              <a:schemeClr val="lt1"/>
-            </a:fontRef>
-          </p:style>
-          <p:txBody>
-            <a:bodyPr rtlCol="0" anchor="ctr"/>
-            <a:lstStyle/>
-            <a:p>
-              <a:pPr algn="ctr"/>
-              <a:r>
-                <a:rPr lang="de-DE" dirty="0">
-                  <a:solidFill>
-                    <a:schemeClr val="tx1"/>
-                  </a:solidFill>
-                </a:rPr>
-                <a:t>Location</a:t>
-              </a:r>
-            </a:p>
-          </p:txBody>
-        </p:sp>
-        <p:sp>
-          <p:nvSpPr>
-            <p:cNvPr id="15" name="Textfeld 14">
-              <a:extLst>
-                <a:ext uri="{FF2B5EF4-FFF2-40B4-BE49-F238E27FC236}">
-                  <a16:creationId xmlns:a16="http://schemas.microsoft.com/office/drawing/2014/main" id="{93B86DC0-5E11-7F1F-66FF-C2B3B464F36D}"/>
-                </a:ext>
-              </a:extLst>
-            </p:cNvPr>
-            <p:cNvSpPr txBox="1"/>
-            <p:nvPr/>
-          </p:nvSpPr>
-          <p:spPr>
-            <a:xfrm>
-              <a:off x="4032504" y="3880104"/>
-              <a:ext cx="2511552" cy="646331"/>
-            </a:xfrm>
-            <a:prstGeom prst="rect">
-              <a:avLst/>
-            </a:prstGeom>
-            <a:noFill/>
-          </p:spPr>
-          <p:txBody>
-            <a:bodyPr wrap="square" rtlCol="0">
-              <a:spAutoFit/>
-            </a:bodyPr>
-            <a:lstStyle/>
-            <a:p>
-              <a:r>
-                <a:rPr lang="de-DE" dirty="0"/>
-                <a:t>+ </a:t>
-              </a:r>
-              <a:r>
-                <a:rPr lang="de-DE" dirty="0" err="1"/>
-                <a:t>get_request</a:t>
-              </a:r>
-              <a:r>
-                <a:rPr lang="de-DE" dirty="0"/>
-                <a:t>()</a:t>
-              </a:r>
-            </a:p>
-            <a:p>
-              <a:r>
-                <a:rPr lang="de-DE" dirty="0"/>
-                <a:t>- </a:t>
-              </a:r>
-              <a:r>
-                <a:rPr lang="de-DE" dirty="0" err="1"/>
-                <a:t>r_location</a:t>
-              </a:r>
-              <a:endParaRPr lang="de-DE" dirty="0"/>
-            </a:p>
-          </p:txBody>
-        </p:sp>
-        <p:sp>
-          <p:nvSpPr>
-            <p:cNvPr id="16" name="Rechteck 15">
-              <a:extLst>
-                <a:ext uri="{FF2B5EF4-FFF2-40B4-BE49-F238E27FC236}">
-                  <a16:creationId xmlns:a16="http://schemas.microsoft.com/office/drawing/2014/main" id="{78092971-D060-EA7C-8CEF-7E70C33542D8}"/>
-                </a:ext>
-              </a:extLst>
-            </p:cNvPr>
-            <p:cNvSpPr/>
-            <p:nvPr/>
-          </p:nvSpPr>
-          <p:spPr>
-            <a:xfrm>
-              <a:off x="4035552" y="3096768"/>
-              <a:ext cx="2764536" cy="722531"/>
-            </a:xfrm>
-            <a:prstGeom prst="rect">
-              <a:avLst/>
-            </a:prstGeom>
-            <a:solidFill>
-              <a:schemeClr val="bg1"/>
-            </a:solidFill>
-          </p:spPr>
-          <p:style>
-            <a:lnRef idx="2">
-              <a:schemeClr val="accent1">
-                <a:shade val="15000"/>
-              </a:schemeClr>
-            </a:lnRef>
-            <a:fillRef idx="1">
-              <a:schemeClr val="accent1"/>
-            </a:fillRef>
-            <a:effectRef idx="0">
-              <a:schemeClr val="accent1"/>
-            </a:effectRef>
-            <a:fontRef idx="minor">
-              <a:schemeClr val="lt1"/>
-            </a:fontRef>
-          </p:style>
-          <p:txBody>
-            <a:bodyPr rtlCol="0" anchor="ctr"/>
-            <a:lstStyle/>
-            <a:p>
-              <a:pPr algn="ctr"/>
-              <a:endParaRPr lang="de-DE" dirty="0"/>
-            </a:p>
-          </p:txBody>
-        </p:sp>
-        <p:sp>
-          <p:nvSpPr>
-            <p:cNvPr id="17" name="Textfeld 16">
-              <a:extLst>
-                <a:ext uri="{FF2B5EF4-FFF2-40B4-BE49-F238E27FC236}">
-                  <a16:creationId xmlns:a16="http://schemas.microsoft.com/office/drawing/2014/main" id="{E88235AD-C57C-1ECF-B9AA-877A2E4E140E}"/>
-                </a:ext>
-              </a:extLst>
-            </p:cNvPr>
-            <p:cNvSpPr txBox="1"/>
-            <p:nvPr/>
-          </p:nvSpPr>
-          <p:spPr>
-            <a:xfrm>
-              <a:off x="4035552" y="3096768"/>
-              <a:ext cx="2764536" cy="646331"/>
-            </a:xfrm>
-            <a:prstGeom prst="rect">
-              <a:avLst/>
-            </a:prstGeom>
-            <a:noFill/>
-          </p:spPr>
-          <p:txBody>
-            <a:bodyPr wrap="square" rtlCol="0">
-              <a:spAutoFit/>
-            </a:bodyPr>
-            <a:lstStyle/>
-            <a:p>
-              <a:r>
-                <a:rPr lang="de-DE" dirty="0"/>
-                <a:t>+ </a:t>
-              </a:r>
-              <a:r>
-                <a:rPr lang="de-DE" dirty="0" err="1"/>
-                <a:t>get_coordinates</a:t>
-              </a:r>
-              <a:r>
-                <a:rPr lang="de-DE" dirty="0"/>
-                <a:t>() </a:t>
-              </a:r>
-            </a:p>
-            <a:p>
-              <a:r>
-                <a:rPr lang="de-DE" dirty="0"/>
-                <a:t>+ </a:t>
-              </a:r>
-              <a:r>
-                <a:rPr lang="de-DE" dirty="0" err="1"/>
-                <a:t>get_city</a:t>
-              </a:r>
-              <a:r>
-                <a:rPr lang="de-DE" dirty="0"/>
-                <a:t>()</a:t>
-              </a:r>
-            </a:p>
-          </p:txBody>
-        </p:sp>
-      </p:grpSp>
-      <p:cxnSp>
-        <p:nvCxnSpPr>
-          <p:cNvPr id="32" name="Gerade Verbindung mit Pfeil 31">
-            <a:extLst>
-              <a:ext uri="{FF2B5EF4-FFF2-40B4-BE49-F238E27FC236}">
-                <a16:creationId xmlns:a16="http://schemas.microsoft.com/office/drawing/2014/main" id="{8CB72C25-3F14-6AD2-D8C1-21F21A4DDF72}"/>
-              </a:ext>
-            </a:extLst>
-          </p:cNvPr>
-          <p:cNvCxnSpPr>
-            <a:cxnSpLocks/>
-            <a:stCxn id="14" idx="0"/>
-            <a:endCxn id="5" idx="2"/>
-          </p:cNvCxnSpPr>
-          <p:nvPr/>
-        </p:nvCxnSpPr>
-        <p:spPr>
-          <a:xfrm flipH="1" flipV="1">
-            <a:off x="3420641" y="2647643"/>
-            <a:ext cx="665690" cy="646331"/>
-          </a:xfrm>
-          <a:prstGeom prst="straightConnector1">
-            <a:avLst/>
-          </a:prstGeom>
-          <a:ln w="38100">
-            <a:tailEnd type="triangle"/>
-          </a:ln>
-        </p:spPr>
-        <p:style>
-          <a:lnRef idx="2">
-            <a:schemeClr val="dk1"/>
-          </a:lnRef>
-          <a:fillRef idx="0">
-            <a:schemeClr val="dk1"/>
-          </a:fillRef>
-          <a:effectRef idx="1">
-            <a:schemeClr val="dk1"/>
-          </a:effectRef>
-          <a:fontRef idx="minor">
-            <a:schemeClr val="tx1"/>
-          </a:fontRef>
-        </p:style>
-      </p:cxnSp>
-    </p:spTree>
-    <p:extLst>
-      <p:ext uri="{BB962C8B-B14F-4D97-AF65-F5344CB8AC3E}">
-        <p14:creationId xmlns:p14="http://schemas.microsoft.com/office/powerpoint/2010/main" val="438772222"/>
-      </p:ext>
-    </p:extLst>
-  </p:cSld>
-  <p:clrMapOvr>
-    <a:masterClrMapping/>
-  </p:clrMapOvr>
-  <p:timing>
-    <p:tnLst>
-      <p:par>
-        <p:cTn id="1" dur="indefinite" restart="never" nodeType="tmRoot">
-          <p:childTnLst>
-            <p:seq concurrent="1" nextAc="seek">
-              <p:cTn id="2" dur="indefinite" nodeType="mainSeq">
-                <p:childTnLst>
-                  <p:par>
-                    <p:cTn id="3" fill="hold">
-                      <p:stCondLst>
-                        <p:cond delay="indefinite"/>
-                      </p:stCondLst>
-                      <p:childTnLst>
-                        <p:par>
-                          <p:cTn id="4" fill="hold">
-                            <p:stCondLst>
-                              <p:cond delay="0"/>
-                            </p:stCondLst>
-                            <p:childTnLst>
-                              <p:par>
-                                <p:cTn id="5" presetID="1" presetClass="entr" presetSubtype="0" fill="hold" nodeType="clickEffect">
-                                  <p:stCondLst>
-                                    <p:cond delay="0"/>
-                                  </p:stCondLst>
-                                  <p:childTnLst>
-                                    <p:set>
-                                      <p:cBhvr>
-                                        <p:cTn id="6" dur="1" fill="hold">
-                                          <p:stCondLst>
-                                            <p:cond delay="0"/>
-                                          </p:stCondLst>
-                                        </p:cTn>
-                                        <p:tgtEl>
-                                          <p:spTgt spid="18"/>
-                                        </p:tgtEl>
-                                        <p:attrNameLst>
-                                          <p:attrName>style.visibility</p:attrName>
-                                        </p:attrNameLst>
-                                      </p:cBhvr>
-                                      <p:to>
-                                        <p:strVal val="visible"/>
-                                      </p:to>
-                                    </p:set>
-                                  </p:childTnLst>
-                                </p:cTn>
-                              </p:par>
-                            </p:childTnLst>
-                          </p:cTn>
-                        </p:par>
-                      </p:childTnLst>
-                    </p:cTn>
-                  </p:par>
-                  <p:par>
-                    <p:cTn id="7" fill="hold">
-                      <p:stCondLst>
-                        <p:cond delay="indefinite"/>
-                      </p:stCondLst>
-                      <p:childTnLst>
-                        <p:par>
-                          <p:cTn id="8" fill="hold">
-                            <p:stCondLst>
-                              <p:cond delay="0"/>
-                            </p:stCondLst>
-                            <p:childTnLst>
-                              <p:par>
-                                <p:cTn id="9" presetID="1" presetClass="entr" presetSubtype="0" fill="hold" nodeType="clickEffect">
-                                  <p:stCondLst>
-                                    <p:cond delay="0"/>
-                                  </p:stCondLst>
-                                  <p:childTnLst>
-                                    <p:set>
-                                      <p:cBhvr>
-                                        <p:cTn id="10" dur="1" fill="hold">
-                                          <p:stCondLst>
-                                            <p:cond delay="0"/>
-                                          </p:stCondLst>
-                                        </p:cTn>
-                                        <p:tgtEl>
-                                          <p:spTgt spid="32"/>
-                                        </p:tgtEl>
-                                        <p:attrNameLst>
-                                          <p:attrName>style.visibility</p:attrName>
-                                        </p:attrNameLst>
-                                      </p:cBhvr>
-                                      <p:to>
-                                        <p:strVal val="visible"/>
-                                      </p:to>
-                                    </p:set>
-                                  </p:childTnLst>
-                                </p:cTn>
-                              </p:par>
-                            </p:childTnLst>
-                          </p:cTn>
-                        </p:par>
-                      </p:childTnLst>
-                    </p:cTn>
-                  </p:par>
-                </p:childTnLst>
-              </p:cTn>
-              <p:prevCondLst>
-                <p:cond evt="onPrev" delay="0">
-                  <p:tgtEl>
-                    <p:sldTgt/>
-                  </p:tgtEl>
-                </p:cond>
-              </p:prevCondLst>
-              <p:nextCondLst>
-                <p:cond evt="onNext" delay="0">
-                  <p:tgtEl>
-                    <p:sldTgt/>
-                  </p:tgtEl>
-                </p:cond>
-              </p:nextCondLst>
-            </p:seq>
-          </p:childTnLst>
-        </p:cTn>
-      </p:par>
-    </p:tnLst>
-  </p:timing>
-</p:sld>
-</file>
-
-<file path=ppt/slides/slide8.xml><?xml version="1.0" encoding="utf-8"?>
-<p:sld xmlns:a="http://schemas.openxmlformats.org/drawingml/2006/main" xmlns:r="http://schemas.openxmlformats.org/officeDocument/2006/relationships" xmlns:p="http://schemas.openxmlformats.org/presentationml/2006/main">
-  <p:cSld>
-    <p:spTree>
-      <p:nvGrpSpPr>
-        <p:cNvPr id="1" name=""/>
-        <p:cNvGrpSpPr/>
-        <p:nvPr/>
-      </p:nvGrpSpPr>
-      <p:grpSpPr>
-        <a:xfrm>
-          <a:off x="0" y="0"/>
-          <a:ext cx="0" cy="0"/>
-          <a:chOff x="0" y="0"/>
-          <a:chExt cx="0" cy="0"/>
-        </a:xfrm>
-      </p:grpSpPr>
-      <p:grpSp>
-        <p:nvGrpSpPr>
-          <p:cNvPr id="54" name="Gruppieren 53">
-            <a:extLst>
-              <a:ext uri="{FF2B5EF4-FFF2-40B4-BE49-F238E27FC236}">
-                <a16:creationId xmlns:a16="http://schemas.microsoft.com/office/drawing/2014/main" id="{685183EE-EC5C-ACDB-5DF0-A8D3AB86B31D}"/>
-              </a:ext>
-            </a:extLst>
-          </p:cNvPr>
-          <p:cNvGrpSpPr/>
-          <p:nvPr/>
-        </p:nvGrpSpPr>
-        <p:grpSpPr>
-          <a:xfrm>
-            <a:off x="2038373" y="1005245"/>
-            <a:ext cx="2764536" cy="1642398"/>
-            <a:chOff x="2287755" y="1725681"/>
-            <a:chExt cx="2764536" cy="1642398"/>
-          </a:xfrm>
-        </p:grpSpPr>
-        <p:sp>
-          <p:nvSpPr>
-            <p:cNvPr id="5" name="Rechteck 4">
-              <a:extLst>
-                <a:ext uri="{FF2B5EF4-FFF2-40B4-BE49-F238E27FC236}">
-                  <a16:creationId xmlns:a16="http://schemas.microsoft.com/office/drawing/2014/main" id="{28708865-B31A-FAEB-0A76-8DBD144A3DE4}"/>
-                </a:ext>
-              </a:extLst>
-            </p:cNvPr>
-            <p:cNvSpPr/>
-            <p:nvPr/>
-          </p:nvSpPr>
-          <p:spPr>
-            <a:xfrm>
-              <a:off x="2287755" y="2356617"/>
-              <a:ext cx="2764536" cy="1011462"/>
-            </a:xfrm>
-            <a:prstGeom prst="rect">
-              <a:avLst/>
-            </a:prstGeom>
-            <a:solidFill>
-              <a:schemeClr val="bg1"/>
-            </a:solidFill>
-          </p:spPr>
-          <p:style>
-            <a:lnRef idx="2">
-              <a:schemeClr val="accent1">
-                <a:shade val="15000"/>
-              </a:schemeClr>
-            </a:lnRef>
-            <a:fillRef idx="1">
-              <a:schemeClr val="accent1"/>
-            </a:fillRef>
-            <a:effectRef idx="0">
-              <a:schemeClr val="accent1"/>
-            </a:effectRef>
-            <a:fontRef idx="minor">
-              <a:schemeClr val="lt1"/>
-            </a:fontRef>
-          </p:style>
-          <p:txBody>
-            <a:bodyPr rtlCol="0" anchor="ctr"/>
-            <a:lstStyle/>
-            <a:p>
-              <a:pPr algn="ctr"/>
-              <a:endParaRPr lang="de-DE" dirty="0"/>
-            </a:p>
-          </p:txBody>
-        </p:sp>
-        <p:sp>
-          <p:nvSpPr>
-            <p:cNvPr id="8" name="Rechteck 7">
-              <a:extLst>
-                <a:ext uri="{FF2B5EF4-FFF2-40B4-BE49-F238E27FC236}">
-                  <a16:creationId xmlns:a16="http://schemas.microsoft.com/office/drawing/2014/main" id="{6EC5C559-8212-7890-0597-6DC1CD3DC703}"/>
-                </a:ext>
-              </a:extLst>
-            </p:cNvPr>
-            <p:cNvSpPr/>
-            <p:nvPr/>
-          </p:nvSpPr>
-          <p:spPr>
-            <a:xfrm>
-              <a:off x="2287755" y="1725681"/>
-              <a:ext cx="2764536" cy="643493"/>
-            </a:xfrm>
-            <a:prstGeom prst="rect">
-              <a:avLst/>
-            </a:prstGeom>
-            <a:solidFill>
-              <a:schemeClr val="bg1"/>
-            </a:solidFill>
-          </p:spPr>
-          <p:style>
-            <a:lnRef idx="2">
-              <a:schemeClr val="accent1">
-                <a:shade val="15000"/>
-              </a:schemeClr>
-            </a:lnRef>
-            <a:fillRef idx="1">
-              <a:schemeClr val="accent1"/>
-            </a:fillRef>
-            <a:effectRef idx="0">
-              <a:schemeClr val="accent1"/>
-            </a:effectRef>
-            <a:fontRef idx="minor">
-              <a:schemeClr val="lt1"/>
-            </a:fontRef>
-          </p:style>
-          <p:txBody>
-            <a:bodyPr rtlCol="0" anchor="ctr"/>
-            <a:lstStyle/>
-            <a:p>
-              <a:pPr algn="ctr"/>
-              <a:r>
-                <a:rPr lang="de-DE" dirty="0">
-                  <a:solidFill>
-                    <a:schemeClr val="tx1"/>
-                  </a:solidFill>
-                </a:rPr>
-                <a:t>Settings</a:t>
-              </a:r>
-            </a:p>
-          </p:txBody>
-        </p:sp>
-        <p:sp>
-          <p:nvSpPr>
-            <p:cNvPr id="9" name="Textfeld 8">
-              <a:extLst>
-                <a:ext uri="{FF2B5EF4-FFF2-40B4-BE49-F238E27FC236}">
-                  <a16:creationId xmlns:a16="http://schemas.microsoft.com/office/drawing/2014/main" id="{12F308FA-3246-75FD-9D28-5FBEF71AA4E3}"/>
-                </a:ext>
-              </a:extLst>
-            </p:cNvPr>
-            <p:cNvSpPr txBox="1"/>
-            <p:nvPr/>
-          </p:nvSpPr>
-          <p:spPr>
-            <a:xfrm>
-              <a:off x="2287755" y="2411896"/>
-              <a:ext cx="2764536" cy="923330"/>
-            </a:xfrm>
-            <a:prstGeom prst="rect">
-              <a:avLst/>
-            </a:prstGeom>
-            <a:noFill/>
-          </p:spPr>
-          <p:txBody>
-            <a:bodyPr wrap="square" rtlCol="0">
-              <a:spAutoFit/>
-            </a:bodyPr>
-            <a:lstStyle/>
-            <a:p>
-              <a:r>
-                <a:rPr lang="de-DE" dirty="0"/>
-                <a:t>+ </a:t>
-              </a:r>
-              <a:r>
-                <a:rPr lang="de-DE" dirty="0" err="1"/>
-                <a:t>user</a:t>
-              </a:r>
-              <a:endParaRPr lang="de-DE" dirty="0"/>
-            </a:p>
-            <a:p>
-              <a:r>
-                <a:rPr lang="de-DE" dirty="0"/>
-                <a:t>+</a:t>
               </a:r>
               <a:r>
                 <a:rPr lang="de-DE" dirty="0" err="1"/>
@@ -6229,6 +4470,33 @@
                                   </p:childTnLst>
                                 </p:cTn>
                               </p:par>
+                              <p:par>
+                                <p:cTn id="13" presetID="1" presetClass="entr" presetSubtype="0" fill="hold" nodeType="withEffect">
+                                  <p:stCondLst>
+                                    <p:cond delay="0"/>
+                                  </p:stCondLst>
+                                  <p:childTnLst>
+                                    <p:set>
+                                      <p:cBhvr>
+                                        <p:cTn id="14" dur="1" fill="hold">
+                                          <p:stCondLst>
+                                            <p:cond delay="0"/>
+                                          </p:stCondLst>
+                                        </p:cTn>
+                                        <p:tgtEl>
+                                          <p:spTgt spid="41"/>
+                                        </p:tgtEl>
+                                        <p:attrNameLst>
+                                          <p:attrName>style.visibility</p:attrName>
+                                        </p:attrNameLst>
+                                      </p:cBhvr>
+                                      <p:to>
+                                        <p:strVal val="visible"/>
+                                      </p:to>
+                                    </p:set>
+                                  </p:childTnLst>
+                                </p:cTn>
+                              </p:par>
                             </p:childTnLst>
                           </p:cTn>
                         </p:par>
@@ -6264,7 +4532,867 @@
 </p:sld>
 </file>
 
-<file path=ppt/slides/slide9.xml><?xml version="1.0" encoding="utf-8"?>
+<file path=ppt/slides/slide11.xml><?xml version="1.0" encoding="utf-8"?>
+<p:sld xmlns:a="http://schemas.openxmlformats.org/drawingml/2006/main" xmlns:r="http://schemas.openxmlformats.org/officeDocument/2006/relationships" xmlns:p="http://schemas.openxmlformats.org/presentationml/2006/main">
+  <p:cSld>
+    <p:spTree>
+      <p:nvGrpSpPr>
+        <p:cNvPr id="1" name=""/>
+        <p:cNvGrpSpPr/>
+        <p:nvPr/>
+      </p:nvGrpSpPr>
+      <p:grpSpPr>
+        <a:xfrm>
+          <a:off x="0" y="0"/>
+          <a:ext cx="0" cy="0"/>
+          <a:chOff x="0" y="0"/>
+          <a:chExt cx="0" cy="0"/>
+        </a:xfrm>
+      </p:grpSpPr>
+      <p:sp>
+        <p:nvSpPr>
+          <p:cNvPr id="2" name="Textfeld 1">
+            <a:extLst>
+              <a:ext uri="{FF2B5EF4-FFF2-40B4-BE49-F238E27FC236}">
+                <a16:creationId xmlns:a16="http://schemas.microsoft.com/office/drawing/2014/main" id="{E545E167-1B07-ED50-A1F8-7AF5DBAF0728}"/>
+              </a:ext>
+            </a:extLst>
+          </p:cNvPr>
+          <p:cNvSpPr txBox="1"/>
+          <p:nvPr/>
+        </p:nvSpPr>
+        <p:spPr>
+          <a:xfrm>
+            <a:off x="4233672" y="2377440"/>
+            <a:ext cx="4379976" cy="923330"/>
+          </a:xfrm>
+          <a:prstGeom prst="rect">
+            <a:avLst/>
+          </a:prstGeom>
+          <a:noFill/>
+        </p:spPr>
+        <p:txBody>
+          <a:bodyPr wrap="square" rtlCol="0">
+            <a:spAutoFit/>
+          </a:bodyPr>
+          <a:lstStyle/>
+          <a:p>
+            <a:r>
+              <a:rPr lang="de-DE" dirty="0"/>
+              <a:t>--Hier Bild vom Display--</a:t>
+            </a:r>
+          </a:p>
+          <a:p>
+            <a:r>
+              <a:rPr lang="de-DE" dirty="0"/>
+              <a:t>Mit Pfeilen beschreiben welcher Anzeigenteil zu welcher Funktion gehört </a:t>
+            </a:r>
+          </a:p>
+        </p:txBody>
+      </p:sp>
+    </p:spTree>
+    <p:extLst>
+      <p:ext uri="{BB962C8B-B14F-4D97-AF65-F5344CB8AC3E}">
+        <p14:creationId xmlns:p14="http://schemas.microsoft.com/office/powerpoint/2010/main" val="3582827267"/>
+      </p:ext>
+    </p:extLst>
+  </p:cSld>
+  <p:clrMapOvr>
+    <a:masterClrMapping/>
+  </p:clrMapOvr>
+</p:sld>
+</file>
+
+<file path=ppt/slides/slide2.xml><?xml version="1.0" encoding="utf-8"?>
+<p:sld xmlns:a="http://schemas.openxmlformats.org/drawingml/2006/main" xmlns:r="http://schemas.openxmlformats.org/officeDocument/2006/relationships" xmlns:p="http://schemas.openxmlformats.org/presentationml/2006/main">
+  <p:cSld>
+    <p:spTree>
+      <p:nvGrpSpPr>
+        <p:cNvPr id="1" name=""/>
+        <p:cNvGrpSpPr/>
+        <p:nvPr/>
+      </p:nvGrpSpPr>
+      <p:grpSpPr>
+        <a:xfrm>
+          <a:off x="0" y="0"/>
+          <a:ext cx="0" cy="0"/>
+          <a:chOff x="0" y="0"/>
+          <a:chExt cx="0" cy="0"/>
+        </a:xfrm>
+      </p:grpSpPr>
+      <p:sp>
+        <p:nvSpPr>
+          <p:cNvPr id="2" name="Titel 1">
+            <a:extLst>
+              <a:ext uri="{FF2B5EF4-FFF2-40B4-BE49-F238E27FC236}">
+                <a16:creationId xmlns:a16="http://schemas.microsoft.com/office/drawing/2014/main" id="{9EF587C9-A9CB-8334-CC8A-1E2B13532CE6}"/>
+              </a:ext>
+            </a:extLst>
+          </p:cNvPr>
+          <p:cNvSpPr>
+            <a:spLocks noGrp="1"/>
+          </p:cNvSpPr>
+          <p:nvPr>
+            <p:ph type="title"/>
+          </p:nvPr>
+        </p:nvSpPr>
+        <p:spPr/>
+        <p:txBody>
+          <a:bodyPr/>
+          <a:lstStyle/>
+          <a:p>
+            <a:r>
+              <a:rPr lang="de-DE" dirty="0"/>
+              <a:t>Was ist ein Infinity Spiegel?</a:t>
+            </a:r>
+          </a:p>
+        </p:txBody>
+      </p:sp>
+      <p:sp>
+        <p:nvSpPr>
+          <p:cNvPr id="3" name="Inhaltsplatzhalter 2">
+            <a:extLst>
+              <a:ext uri="{FF2B5EF4-FFF2-40B4-BE49-F238E27FC236}">
+                <a16:creationId xmlns:a16="http://schemas.microsoft.com/office/drawing/2014/main" id="{3DDC24D2-835D-596E-DB00-F17E7EC9AE84}"/>
+              </a:ext>
+            </a:extLst>
+          </p:cNvPr>
+          <p:cNvSpPr>
+            <a:spLocks noGrp="1"/>
+          </p:cNvSpPr>
+          <p:nvPr>
+            <p:ph idx="1"/>
+          </p:nvPr>
+        </p:nvSpPr>
+        <p:spPr/>
+        <p:txBody>
+          <a:bodyPr/>
+          <a:lstStyle/>
+          <a:p>
+            <a:pPr marL="0" indent="0">
+              <a:buNone/>
+            </a:pPr>
+            <a:r>
+              <a:rPr lang="de-DE" dirty="0"/>
+              <a:t>-- Hier Bild---</a:t>
+            </a:r>
+          </a:p>
+        </p:txBody>
+      </p:sp>
+    </p:spTree>
+    <p:extLst>
+      <p:ext uri="{BB962C8B-B14F-4D97-AF65-F5344CB8AC3E}">
+        <p14:creationId xmlns:p14="http://schemas.microsoft.com/office/powerpoint/2010/main" val="2278596237"/>
+      </p:ext>
+    </p:extLst>
+  </p:cSld>
+  <p:clrMapOvr>
+    <a:masterClrMapping/>
+  </p:clrMapOvr>
+</p:sld>
+</file>
+
+<file path=ppt/slides/slide3.xml><?xml version="1.0" encoding="utf-8"?>
+<p:sld xmlns:a="http://schemas.openxmlformats.org/drawingml/2006/main" xmlns:r="http://schemas.openxmlformats.org/officeDocument/2006/relationships" xmlns:p="http://schemas.openxmlformats.org/presentationml/2006/main">
+  <p:cSld>
+    <p:spTree>
+      <p:nvGrpSpPr>
+        <p:cNvPr id="1" name=""/>
+        <p:cNvGrpSpPr/>
+        <p:nvPr/>
+      </p:nvGrpSpPr>
+      <p:grpSpPr>
+        <a:xfrm>
+          <a:off x="0" y="0"/>
+          <a:ext cx="0" cy="0"/>
+          <a:chOff x="0" y="0"/>
+          <a:chExt cx="0" cy="0"/>
+        </a:xfrm>
+      </p:grpSpPr>
+      <p:sp>
+        <p:nvSpPr>
+          <p:cNvPr id="2" name="Titel 1">
+            <a:extLst>
+              <a:ext uri="{FF2B5EF4-FFF2-40B4-BE49-F238E27FC236}">
+                <a16:creationId xmlns:a16="http://schemas.microsoft.com/office/drawing/2014/main" id="{690A8C22-18B4-97CA-C2F0-FE6DA629ED13}"/>
+              </a:ext>
+            </a:extLst>
+          </p:cNvPr>
+          <p:cNvSpPr>
+            <a:spLocks noGrp="1"/>
+          </p:cNvSpPr>
+          <p:nvPr>
+            <p:ph type="title"/>
+          </p:nvPr>
+        </p:nvSpPr>
+        <p:spPr/>
+        <p:txBody>
+          <a:bodyPr/>
+          <a:lstStyle/>
+          <a:p>
+            <a:r>
+              <a:rPr lang="de-DE" dirty="0"/>
+              <a:t>Materialliste</a:t>
+            </a:r>
+          </a:p>
+        </p:txBody>
+      </p:sp>
+      <p:graphicFrame>
+        <p:nvGraphicFramePr>
+          <p:cNvPr id="4" name="Tabelle 3">
+            <a:extLst>
+              <a:ext uri="{FF2B5EF4-FFF2-40B4-BE49-F238E27FC236}">
+                <a16:creationId xmlns:a16="http://schemas.microsoft.com/office/drawing/2014/main" id="{E719C799-044E-5339-844A-CD32C8A3989E}"/>
+              </a:ext>
+            </a:extLst>
+          </p:cNvPr>
+          <p:cNvGraphicFramePr>
+            <a:graphicFrameLocks noGrp="1"/>
+          </p:cNvGraphicFramePr>
+          <p:nvPr>
+            <p:extLst>
+              <p:ext uri="{D42A27DB-BD31-4B8C-83A1-F6EECF244321}">
+                <p14:modId xmlns:p14="http://schemas.microsoft.com/office/powerpoint/2010/main" val="1516362600"/>
+              </p:ext>
+            </p:extLst>
+          </p:nvPr>
+        </p:nvGraphicFramePr>
+        <p:xfrm>
+          <a:off x="3896591" y="1690688"/>
+          <a:ext cx="4398818" cy="1854200"/>
+        </p:xfrm>
+        <a:graphic>
+          <a:graphicData uri="http://schemas.openxmlformats.org/drawingml/2006/table">
+            <a:tbl>
+              <a:tblPr firstRow="1" bandRow="1">
+                <a:tableStyleId>{5C22544A-7EE6-4342-B048-85BDC9FD1C3A}</a:tableStyleId>
+              </a:tblPr>
+              <a:tblGrid>
+                <a:gridCol w="4398818">
+                  <a:extLst>
+                    <a:ext uri="{9D8B030D-6E8A-4147-A177-3AD203B41FA5}">
+                      <a16:colId xmlns:a16="http://schemas.microsoft.com/office/drawing/2014/main" val="856757947"/>
+                    </a:ext>
+                  </a:extLst>
+                </a:gridCol>
+              </a:tblGrid>
+              <a:tr h="370840">
+                <a:tc>
+                  <a:txBody>
+                    <a:bodyPr/>
+                    <a:lstStyle/>
+                    <a:p>
+                      <a:pPr algn="ctr"/>
+                      <a:r>
+                        <a:rPr lang="de-DE" dirty="0"/>
+                        <a:t>Spiegel </a:t>
+                      </a:r>
+                    </a:p>
+                  </a:txBody>
+                  <a:tcPr/>
+                </a:tc>
+                <a:extLst>
+                  <a:ext uri="{0D108BD9-81ED-4DB2-BD59-A6C34878D82A}">
+                    <a16:rowId xmlns:a16="http://schemas.microsoft.com/office/drawing/2014/main" val="3584834658"/>
+                  </a:ext>
+                </a:extLst>
+              </a:tr>
+              <a:tr h="370840">
+                <a:tc>
+                  <a:txBody>
+                    <a:bodyPr/>
+                    <a:lstStyle/>
+                    <a:p>
+                      <a:r>
+                        <a:rPr lang="de-DE" dirty="0"/>
+                        <a:t>Plexiglas </a:t>
+                      </a:r>
+                    </a:p>
+                  </a:txBody>
+                  <a:tcPr/>
+                </a:tc>
+                <a:extLst>
+                  <a:ext uri="{0D108BD9-81ED-4DB2-BD59-A6C34878D82A}">
+                    <a16:rowId xmlns:a16="http://schemas.microsoft.com/office/drawing/2014/main" val="3619284051"/>
+                  </a:ext>
+                </a:extLst>
+              </a:tr>
+              <a:tr h="370840">
+                <a:tc>
+                  <a:txBody>
+                    <a:bodyPr/>
+                    <a:lstStyle/>
+                    <a:p>
+                      <a:r>
+                        <a:rPr lang="de-DE" dirty="0"/>
+                        <a:t>Spiegelfolie</a:t>
+                      </a:r>
+                    </a:p>
+                  </a:txBody>
+                  <a:tcPr/>
+                </a:tc>
+                <a:extLst>
+                  <a:ext uri="{0D108BD9-81ED-4DB2-BD59-A6C34878D82A}">
+                    <a16:rowId xmlns:a16="http://schemas.microsoft.com/office/drawing/2014/main" val="194043829"/>
+                  </a:ext>
+                </a:extLst>
+              </a:tr>
+              <a:tr h="370840">
+                <a:tc>
+                  <a:txBody>
+                    <a:bodyPr/>
+                    <a:lstStyle/>
+                    <a:p>
+                      <a:r>
+                        <a:rPr lang="de-DE" dirty="0"/>
+                        <a:t>Rahmenholz </a:t>
+                      </a:r>
+                    </a:p>
+                  </a:txBody>
+                  <a:tcPr/>
+                </a:tc>
+                <a:extLst>
+                  <a:ext uri="{0D108BD9-81ED-4DB2-BD59-A6C34878D82A}">
+                    <a16:rowId xmlns:a16="http://schemas.microsoft.com/office/drawing/2014/main" val="1987516873"/>
+                  </a:ext>
+                </a:extLst>
+              </a:tr>
+              <a:tr h="370840">
+                <a:tc>
+                  <a:txBody>
+                    <a:bodyPr/>
+                    <a:lstStyle/>
+                    <a:p>
+                      <a:r>
+                        <a:rPr lang="de-DE" dirty="0"/>
+                        <a:t>Spiegel </a:t>
+                      </a:r>
+                    </a:p>
+                  </a:txBody>
+                  <a:tcPr/>
+                </a:tc>
+                <a:extLst>
+                  <a:ext uri="{0D108BD9-81ED-4DB2-BD59-A6C34878D82A}">
+                    <a16:rowId xmlns:a16="http://schemas.microsoft.com/office/drawing/2014/main" val="1716388728"/>
+                  </a:ext>
+                </a:extLst>
+              </a:tr>
+            </a:tbl>
+          </a:graphicData>
+        </a:graphic>
+      </p:graphicFrame>
+      <p:graphicFrame>
+        <p:nvGraphicFramePr>
+          <p:cNvPr id="5" name="Tabelle 4">
+            <a:extLst>
+              <a:ext uri="{FF2B5EF4-FFF2-40B4-BE49-F238E27FC236}">
+                <a16:creationId xmlns:a16="http://schemas.microsoft.com/office/drawing/2014/main" id="{8DDCE1C1-B307-C651-3D06-AB98C9737013}"/>
+              </a:ext>
+            </a:extLst>
+          </p:cNvPr>
+          <p:cNvGraphicFramePr>
+            <a:graphicFrameLocks noGrp="1"/>
+          </p:cNvGraphicFramePr>
+          <p:nvPr>
+            <p:extLst>
+              <p:ext uri="{D42A27DB-BD31-4B8C-83A1-F6EECF244321}">
+                <p14:modId xmlns:p14="http://schemas.microsoft.com/office/powerpoint/2010/main" val="1333355817"/>
+              </p:ext>
+            </p:extLst>
+          </p:nvPr>
+        </p:nvGraphicFramePr>
+        <p:xfrm>
+          <a:off x="3896591" y="4344596"/>
+          <a:ext cx="4398818" cy="1645432"/>
+        </p:xfrm>
+        <a:graphic>
+          <a:graphicData uri="http://schemas.openxmlformats.org/drawingml/2006/table">
+            <a:tbl>
+              <a:tblPr firstRow="1" bandRow="1">
+                <a:tableStyleId>{5C22544A-7EE6-4342-B048-85BDC9FD1C3A}</a:tableStyleId>
+              </a:tblPr>
+              <a:tblGrid>
+                <a:gridCol w="4398818">
+                  <a:extLst>
+                    <a:ext uri="{9D8B030D-6E8A-4147-A177-3AD203B41FA5}">
+                      <a16:colId xmlns:a16="http://schemas.microsoft.com/office/drawing/2014/main" val="1021650704"/>
+                    </a:ext>
+                  </a:extLst>
+                </a:gridCol>
+              </a:tblGrid>
+              <a:tr h="411358">
+                <a:tc>
+                  <a:txBody>
+                    <a:bodyPr/>
+                    <a:lstStyle/>
+                    <a:p>
+                      <a:pPr algn="ctr"/>
+                      <a:r>
+                        <a:rPr lang="de-DE" i="0" dirty="0"/>
+                        <a:t>Anzeige und Licht</a:t>
+                      </a:r>
+                    </a:p>
+                  </a:txBody>
+                  <a:tcPr/>
+                </a:tc>
+                <a:extLst>
+                  <a:ext uri="{0D108BD9-81ED-4DB2-BD59-A6C34878D82A}">
+                    <a16:rowId xmlns:a16="http://schemas.microsoft.com/office/drawing/2014/main" val="1878885761"/>
+                  </a:ext>
+                </a:extLst>
+              </a:tr>
+              <a:tr h="411358">
+                <a:tc>
+                  <a:txBody>
+                    <a:bodyPr/>
+                    <a:lstStyle/>
+                    <a:p>
+                      <a:r>
+                        <a:rPr lang="de-DE" dirty="0"/>
+                        <a:t>Raspberry Pi</a:t>
+                      </a:r>
+                    </a:p>
+                  </a:txBody>
+                  <a:tcPr/>
+                </a:tc>
+                <a:extLst>
+                  <a:ext uri="{0D108BD9-81ED-4DB2-BD59-A6C34878D82A}">
+                    <a16:rowId xmlns:a16="http://schemas.microsoft.com/office/drawing/2014/main" val="1413296552"/>
+                  </a:ext>
+                </a:extLst>
+              </a:tr>
+              <a:tr h="411358">
+                <a:tc>
+                  <a:txBody>
+                    <a:bodyPr/>
+                    <a:lstStyle/>
+                    <a:p>
+                      <a:r>
+                        <a:rPr lang="de-DE" dirty="0"/>
+                        <a:t>LED-Lichtstreifen</a:t>
+                      </a:r>
+                    </a:p>
+                  </a:txBody>
+                  <a:tcPr/>
+                </a:tc>
+                <a:extLst>
+                  <a:ext uri="{0D108BD9-81ED-4DB2-BD59-A6C34878D82A}">
+                    <a16:rowId xmlns:a16="http://schemas.microsoft.com/office/drawing/2014/main" val="1202254808"/>
+                  </a:ext>
+                </a:extLst>
+              </a:tr>
+              <a:tr h="411358">
+                <a:tc>
+                  <a:txBody>
+                    <a:bodyPr/>
+                    <a:lstStyle/>
+                    <a:p>
+                      <a:r>
+                        <a:rPr lang="de-DE" dirty="0"/>
+                        <a:t>Display </a:t>
+                      </a:r>
+                    </a:p>
+                  </a:txBody>
+                  <a:tcPr/>
+                </a:tc>
+                <a:extLst>
+                  <a:ext uri="{0D108BD9-81ED-4DB2-BD59-A6C34878D82A}">
+                    <a16:rowId xmlns:a16="http://schemas.microsoft.com/office/drawing/2014/main" val="922737220"/>
+                  </a:ext>
+                </a:extLst>
+              </a:tr>
+            </a:tbl>
+          </a:graphicData>
+        </a:graphic>
+      </p:graphicFrame>
+    </p:spTree>
+    <p:extLst>
+      <p:ext uri="{BB962C8B-B14F-4D97-AF65-F5344CB8AC3E}">
+        <p14:creationId xmlns:p14="http://schemas.microsoft.com/office/powerpoint/2010/main" val="3016160154"/>
+      </p:ext>
+    </p:extLst>
+  </p:cSld>
+  <p:clrMapOvr>
+    <a:masterClrMapping/>
+  </p:clrMapOvr>
+</p:sld>
+</file>
+
+<file path=ppt/slides/slide4.xml><?xml version="1.0" encoding="utf-8"?>
+<p:sld xmlns:a="http://schemas.openxmlformats.org/drawingml/2006/main" xmlns:r="http://schemas.openxmlformats.org/officeDocument/2006/relationships" xmlns:p="http://schemas.openxmlformats.org/presentationml/2006/main">
+  <p:cSld>
+    <p:spTree>
+      <p:nvGrpSpPr>
+        <p:cNvPr id="1" name=""/>
+        <p:cNvGrpSpPr/>
+        <p:nvPr/>
+      </p:nvGrpSpPr>
+      <p:grpSpPr>
+        <a:xfrm>
+          <a:off x="0" y="0"/>
+          <a:ext cx="0" cy="0"/>
+          <a:chOff x="0" y="0"/>
+          <a:chExt cx="0" cy="0"/>
+        </a:xfrm>
+      </p:grpSpPr>
+      <p:sp>
+        <p:nvSpPr>
+          <p:cNvPr id="2" name="Titel 1">
+            <a:extLst>
+              <a:ext uri="{FF2B5EF4-FFF2-40B4-BE49-F238E27FC236}">
+                <a16:creationId xmlns:a16="http://schemas.microsoft.com/office/drawing/2014/main" id="{AD2DF54B-57BA-F336-8231-6F9F338031C8}"/>
+              </a:ext>
+            </a:extLst>
+          </p:cNvPr>
+          <p:cNvSpPr>
+            <a:spLocks noGrp="1"/>
+          </p:cNvSpPr>
+          <p:nvPr>
+            <p:ph type="title"/>
+          </p:nvPr>
+        </p:nvSpPr>
+        <p:spPr/>
+        <p:txBody>
+          <a:bodyPr/>
+          <a:lstStyle/>
+          <a:p>
+            <a:r>
+              <a:rPr lang="de-DE" dirty="0"/>
+              <a:t>Montage </a:t>
+            </a:r>
+          </a:p>
+        </p:txBody>
+      </p:sp>
+      <p:sp>
+        <p:nvSpPr>
+          <p:cNvPr id="3" name="Inhaltsplatzhalter 2">
+            <a:extLst>
+              <a:ext uri="{FF2B5EF4-FFF2-40B4-BE49-F238E27FC236}">
+                <a16:creationId xmlns:a16="http://schemas.microsoft.com/office/drawing/2014/main" id="{FB44403A-0753-A3D0-23FD-A766DDCBFB11}"/>
+              </a:ext>
+            </a:extLst>
+          </p:cNvPr>
+          <p:cNvSpPr>
+            <a:spLocks noGrp="1"/>
+          </p:cNvSpPr>
+          <p:nvPr>
+            <p:ph idx="1"/>
+          </p:nvPr>
+        </p:nvSpPr>
+        <p:spPr/>
+        <p:txBody>
+          <a:bodyPr/>
+          <a:lstStyle/>
+          <a:p>
+            <a:pPr marL="0" indent="0">
+              <a:buNone/>
+            </a:pPr>
+            <a:r>
+              <a:rPr lang="de-DE" dirty="0"/>
+              <a:t>--Hier Bild--</a:t>
+            </a:r>
+          </a:p>
+        </p:txBody>
+      </p:sp>
+    </p:spTree>
+    <p:extLst>
+      <p:ext uri="{BB962C8B-B14F-4D97-AF65-F5344CB8AC3E}">
+        <p14:creationId xmlns:p14="http://schemas.microsoft.com/office/powerpoint/2010/main" val="3001952519"/>
+      </p:ext>
+    </p:extLst>
+  </p:cSld>
+  <p:clrMapOvr>
+    <a:masterClrMapping/>
+  </p:clrMapOvr>
+</p:sld>
+</file>
+
+<file path=ppt/slides/slide5.xml><?xml version="1.0" encoding="utf-8"?>
+<p:sld xmlns:a="http://schemas.openxmlformats.org/drawingml/2006/main" xmlns:r="http://schemas.openxmlformats.org/officeDocument/2006/relationships" xmlns:p="http://schemas.openxmlformats.org/presentationml/2006/main">
+  <p:cSld>
+    <p:spTree>
+      <p:nvGrpSpPr>
+        <p:cNvPr id="1" name=""/>
+        <p:cNvGrpSpPr/>
+        <p:nvPr/>
+      </p:nvGrpSpPr>
+      <p:grpSpPr>
+        <a:xfrm>
+          <a:off x="0" y="0"/>
+          <a:ext cx="0" cy="0"/>
+          <a:chOff x="0" y="0"/>
+          <a:chExt cx="0" cy="0"/>
+        </a:xfrm>
+      </p:grpSpPr>
+      <p:sp>
+        <p:nvSpPr>
+          <p:cNvPr id="2" name="Titel 1">
+            <a:extLst>
+              <a:ext uri="{FF2B5EF4-FFF2-40B4-BE49-F238E27FC236}">
+                <a16:creationId xmlns:a16="http://schemas.microsoft.com/office/drawing/2014/main" id="{79C19F42-13F9-604E-21C8-121A0C50DF98}"/>
+              </a:ext>
+            </a:extLst>
+          </p:cNvPr>
+          <p:cNvSpPr>
+            <a:spLocks noGrp="1"/>
+          </p:cNvSpPr>
+          <p:nvPr>
+            <p:ph type="title"/>
+          </p:nvPr>
+        </p:nvSpPr>
+        <p:spPr>
+          <a:xfrm>
+            <a:off x="838200" y="2103437"/>
+            <a:ext cx="10515600" cy="1325563"/>
+          </a:xfrm>
+        </p:spPr>
+        <p:txBody>
+          <a:bodyPr/>
+          <a:lstStyle/>
+          <a:p>
+            <a:pPr algn="ctr"/>
+            <a:r>
+              <a:rPr lang="de-DE" dirty="0"/>
+              <a:t>Display</a:t>
+            </a:r>
+          </a:p>
+        </p:txBody>
+      </p:sp>
+    </p:spTree>
+    <p:extLst>
+      <p:ext uri="{BB962C8B-B14F-4D97-AF65-F5344CB8AC3E}">
+        <p14:creationId xmlns:p14="http://schemas.microsoft.com/office/powerpoint/2010/main" val="1150177707"/>
+      </p:ext>
+    </p:extLst>
+  </p:cSld>
+  <p:clrMapOvr>
+    <a:masterClrMapping/>
+  </p:clrMapOvr>
+</p:sld>
+</file>
+
+<file path=ppt/slides/slide6.xml><?xml version="1.0" encoding="utf-8"?>
+<p:sld xmlns:a="http://schemas.openxmlformats.org/drawingml/2006/main" xmlns:r="http://schemas.openxmlformats.org/officeDocument/2006/relationships" xmlns:p="http://schemas.openxmlformats.org/presentationml/2006/main">
+  <p:cSld>
+    <p:spTree>
+      <p:nvGrpSpPr>
+        <p:cNvPr id="1" name=""/>
+        <p:cNvGrpSpPr/>
+        <p:nvPr/>
+      </p:nvGrpSpPr>
+      <p:grpSpPr>
+        <a:xfrm>
+          <a:off x="0" y="0"/>
+          <a:ext cx="0" cy="0"/>
+          <a:chOff x="0" y="0"/>
+          <a:chExt cx="0" cy="0"/>
+        </a:xfrm>
+      </p:grpSpPr>
+      <p:grpSp>
+        <p:nvGrpSpPr>
+          <p:cNvPr id="54" name="Gruppieren 53">
+            <a:extLst>
+              <a:ext uri="{FF2B5EF4-FFF2-40B4-BE49-F238E27FC236}">
+                <a16:creationId xmlns:a16="http://schemas.microsoft.com/office/drawing/2014/main" id="{685183EE-EC5C-ACDB-5DF0-A8D3AB86B31D}"/>
+              </a:ext>
+            </a:extLst>
+          </p:cNvPr>
+          <p:cNvGrpSpPr/>
+          <p:nvPr/>
+        </p:nvGrpSpPr>
+        <p:grpSpPr>
+          <a:xfrm>
+            <a:off x="2038373" y="1005245"/>
+            <a:ext cx="2764536" cy="1642398"/>
+            <a:chOff x="2287755" y="1725681"/>
+            <a:chExt cx="2764536" cy="1642398"/>
+          </a:xfrm>
+        </p:grpSpPr>
+        <p:sp>
+          <p:nvSpPr>
+            <p:cNvPr id="5" name="Rechteck 4">
+              <a:extLst>
+                <a:ext uri="{FF2B5EF4-FFF2-40B4-BE49-F238E27FC236}">
+                  <a16:creationId xmlns:a16="http://schemas.microsoft.com/office/drawing/2014/main" id="{28708865-B31A-FAEB-0A76-8DBD144A3DE4}"/>
+                </a:ext>
+              </a:extLst>
+            </p:cNvPr>
+            <p:cNvSpPr/>
+            <p:nvPr/>
+          </p:nvSpPr>
+          <p:spPr>
+            <a:xfrm>
+              <a:off x="2287755" y="2356617"/>
+              <a:ext cx="2764536" cy="1011462"/>
+            </a:xfrm>
+            <a:prstGeom prst="rect">
+              <a:avLst/>
+            </a:prstGeom>
+            <a:solidFill>
+              <a:schemeClr val="bg1"/>
+            </a:solidFill>
+          </p:spPr>
+          <p:style>
+            <a:lnRef idx="2">
+              <a:schemeClr val="accent1">
+                <a:shade val="15000"/>
+              </a:schemeClr>
+            </a:lnRef>
+            <a:fillRef idx="1">
+              <a:schemeClr val="accent1"/>
+            </a:fillRef>
+            <a:effectRef idx="0">
+              <a:schemeClr val="accent1"/>
+            </a:effectRef>
+            <a:fontRef idx="minor">
+              <a:schemeClr val="lt1"/>
+            </a:fontRef>
+          </p:style>
+          <p:txBody>
+            <a:bodyPr rtlCol="0" anchor="ctr"/>
+            <a:lstStyle/>
+            <a:p>
+              <a:pPr algn="ctr"/>
+              <a:endParaRPr lang="de-DE" dirty="0"/>
+            </a:p>
+          </p:txBody>
+        </p:sp>
+        <p:sp>
+          <p:nvSpPr>
+            <p:cNvPr id="8" name="Rechteck 7">
+              <a:extLst>
+                <a:ext uri="{FF2B5EF4-FFF2-40B4-BE49-F238E27FC236}">
+                  <a16:creationId xmlns:a16="http://schemas.microsoft.com/office/drawing/2014/main" id="{6EC5C559-8212-7890-0597-6DC1CD3DC703}"/>
+                </a:ext>
+              </a:extLst>
+            </p:cNvPr>
+            <p:cNvSpPr/>
+            <p:nvPr/>
+          </p:nvSpPr>
+          <p:spPr>
+            <a:xfrm>
+              <a:off x="2287755" y="1725681"/>
+              <a:ext cx="2764536" cy="643493"/>
+            </a:xfrm>
+            <a:prstGeom prst="rect">
+              <a:avLst/>
+            </a:prstGeom>
+            <a:solidFill>
+              <a:schemeClr val="bg1"/>
+            </a:solidFill>
+          </p:spPr>
+          <p:style>
+            <a:lnRef idx="2">
+              <a:schemeClr val="accent1">
+                <a:shade val="15000"/>
+              </a:schemeClr>
+            </a:lnRef>
+            <a:fillRef idx="1">
+              <a:schemeClr val="accent1"/>
+            </a:fillRef>
+            <a:effectRef idx="0">
+              <a:schemeClr val="accent1"/>
+            </a:effectRef>
+            <a:fontRef idx="minor">
+              <a:schemeClr val="lt1"/>
+            </a:fontRef>
+          </p:style>
+          <p:txBody>
+            <a:bodyPr rtlCol="0" anchor="ctr"/>
+            <a:lstStyle/>
+            <a:p>
+              <a:pPr algn="ctr"/>
+              <a:r>
+                <a:rPr lang="de-DE" dirty="0">
+                  <a:solidFill>
+                    <a:schemeClr val="tx1"/>
+                  </a:solidFill>
+                </a:rPr>
+                <a:t>Settings</a:t>
+              </a:r>
+            </a:p>
+          </p:txBody>
+        </p:sp>
+        <p:sp>
+          <p:nvSpPr>
+            <p:cNvPr id="9" name="Textfeld 8">
+              <a:extLst>
+                <a:ext uri="{FF2B5EF4-FFF2-40B4-BE49-F238E27FC236}">
+                  <a16:creationId xmlns:a16="http://schemas.microsoft.com/office/drawing/2014/main" id="{12F308FA-3246-75FD-9D28-5FBEF71AA4E3}"/>
+                </a:ext>
+              </a:extLst>
+            </p:cNvPr>
+            <p:cNvSpPr txBox="1"/>
+            <p:nvPr/>
+          </p:nvSpPr>
+          <p:spPr>
+            <a:xfrm>
+              <a:off x="2287755" y="2411896"/>
+              <a:ext cx="2764536" cy="923330"/>
+            </a:xfrm>
+            <a:prstGeom prst="rect">
+              <a:avLst/>
+            </a:prstGeom>
+            <a:noFill/>
+          </p:spPr>
+          <p:txBody>
+            <a:bodyPr wrap="square" rtlCol="0">
+              <a:spAutoFit/>
+            </a:bodyPr>
+            <a:lstStyle/>
+            <a:p>
+              <a:r>
+                <a:rPr lang="de-DE" dirty="0"/>
+                <a:t>+ </a:t>
+              </a:r>
+              <a:r>
+                <a:rPr lang="de-DE" dirty="0" err="1"/>
+                <a:t>user</a:t>
+              </a:r>
+              <a:endParaRPr lang="de-DE" dirty="0"/>
+            </a:p>
+            <a:p>
+              <a:r>
+                <a:rPr lang="de-DE" dirty="0"/>
+                <a:t>+ </a:t>
+              </a:r>
+              <a:r>
+                <a:rPr lang="de-DE" dirty="0" err="1"/>
+                <a:t>setting_file</a:t>
+              </a:r>
+              <a:endParaRPr lang="de-DE" dirty="0"/>
+            </a:p>
+            <a:p>
+              <a:r>
+                <a:rPr lang="de-DE" dirty="0"/>
+                <a:t>+ </a:t>
+              </a:r>
+              <a:r>
+                <a:rPr lang="de-DE" dirty="0" err="1"/>
+                <a:t>set_location_settings</a:t>
+              </a:r>
+              <a:r>
+                <a:rPr lang="de-DE" dirty="0"/>
+                <a:t>()</a:t>
+              </a:r>
+            </a:p>
+          </p:txBody>
+        </p:sp>
+      </p:grpSp>
+    </p:spTree>
+    <p:extLst>
+      <p:ext uri="{BB962C8B-B14F-4D97-AF65-F5344CB8AC3E}">
+        <p14:creationId xmlns:p14="http://schemas.microsoft.com/office/powerpoint/2010/main" val="2667384273"/>
+      </p:ext>
+    </p:extLst>
+  </p:cSld>
+  <p:clrMapOvr>
+    <a:masterClrMapping/>
+  </p:clrMapOvr>
+</p:sld>
+</file>
+
+<file path=ppt/slides/slide7.xml><?xml version="1.0" encoding="utf-8"?>
 <p:sld xmlns:a="http://schemas.openxmlformats.org/drawingml/2006/main" xmlns:r="http://schemas.openxmlformats.org/officeDocument/2006/relationships" xmlns:p="http://schemas.openxmlformats.org/presentationml/2006/main">
   <p:cSld>
     <p:spTree>
@@ -6283,17 +5411,19 @@
       </p:grpSpPr>
       <p:pic>
         <p:nvPicPr>
-          <p:cNvPr id="5" name="Grafik 4" descr="Ein Bild, das Text, Schrift, Screenshot, Design enthält.&#10;&#10;Automatisch generierte Beschreibung">
-            <a:extLst>
-              <a:ext uri="{FF2B5EF4-FFF2-40B4-BE49-F238E27FC236}">
-                <a16:creationId xmlns:a16="http://schemas.microsoft.com/office/drawing/2014/main" id="{B181039C-861A-4968-668D-6605069B5954}"/>
+          <p:cNvPr id="9" name="Inhaltsplatzhalter 8" descr="Ein Bild, das Text, Schrift, Screenshot enthält.&#10;&#10;Automatisch generierte Beschreibung">
+            <a:extLst>
+              <a:ext uri="{FF2B5EF4-FFF2-40B4-BE49-F238E27FC236}">
+                <a16:creationId xmlns:a16="http://schemas.microsoft.com/office/drawing/2014/main" id="{A7C601A7-2691-33D3-BE49-0796BC4DABBC}"/>
               </a:ext>
             </a:extLst>
           </p:cNvPr>
           <p:cNvPicPr>
-            <a:picLocks noChangeAspect="1"/>
+            <a:picLocks noGrp="1" noChangeAspect="1"/>
           </p:cNvPicPr>
-          <p:nvPr/>
+          <p:nvPr>
+            <p:ph idx="1"/>
+          </p:nvPr>
         </p:nvPicPr>
         <p:blipFill>
           <a:blip r:embed="rId2">
@@ -6309,18 +5439,1518 @@
         </p:blipFill>
         <p:spPr>
           <a:xfrm>
-            <a:off x="3542943" y="1323681"/>
-            <a:ext cx="5106113" cy="4210638"/>
+            <a:off x="1178883" y="1773906"/>
+            <a:ext cx="4505954" cy="1514686"/>
+          </a:xfrm>
+        </p:spPr>
+      </p:pic>
+      <p:sp>
+        <p:nvSpPr>
+          <p:cNvPr id="10" name="Textfeld 9">
+            <a:extLst>
+              <a:ext uri="{FF2B5EF4-FFF2-40B4-BE49-F238E27FC236}">
+                <a16:creationId xmlns:a16="http://schemas.microsoft.com/office/drawing/2014/main" id="{3B063A7E-03DC-4182-CD78-6201AE22DF82}"/>
+              </a:ext>
+            </a:extLst>
+          </p:cNvPr>
+          <p:cNvSpPr txBox="1"/>
+          <p:nvPr/>
+        </p:nvSpPr>
+        <p:spPr>
+          <a:xfrm>
+            <a:off x="1172002" y="1096328"/>
+            <a:ext cx="4280556" cy="584775"/>
+          </a:xfrm>
+          <a:prstGeom prst="rect">
+            <a:avLst/>
+          </a:prstGeom>
+          <a:noFill/>
+        </p:spPr>
+        <p:txBody>
+          <a:bodyPr wrap="square" rtlCol="0">
+            <a:spAutoFit/>
+          </a:bodyPr>
+          <a:lstStyle/>
+          <a:p>
+            <a:r>
+              <a:rPr lang="de-DE" sz="3200" dirty="0"/>
+              <a:t>Eingabe:</a:t>
+            </a:r>
+          </a:p>
+        </p:txBody>
+      </p:sp>
+      <p:pic>
+        <p:nvPicPr>
+          <p:cNvPr id="12" name="Grafik 11" descr="Ein Bild, das Text, Schrift, Screenshot, Zahl enthält.&#10;&#10;Automatisch generierte Beschreibung">
+            <a:extLst>
+              <a:ext uri="{FF2B5EF4-FFF2-40B4-BE49-F238E27FC236}">
+                <a16:creationId xmlns:a16="http://schemas.microsoft.com/office/drawing/2014/main" id="{FA53C68A-ABE8-B40B-714D-21E4B3D714E9}"/>
+              </a:ext>
+            </a:extLst>
+          </p:cNvPr>
+          <p:cNvPicPr>
+            <a:picLocks noChangeAspect="1"/>
+          </p:cNvPicPr>
+          <p:nvPr/>
+        </p:nvPicPr>
+        <p:blipFill>
+          <a:blip r:embed="rId3">
+            <a:extLst>
+              <a:ext uri="{28A0092B-C50C-407E-A947-70E740481C1C}">
+                <a14:useLocalDpi xmlns:a14="http://schemas.microsoft.com/office/drawing/2010/main" val="0"/>
+              </a:ext>
+            </a:extLst>
+          </a:blip>
+          <a:stretch>
+            <a:fillRect/>
+          </a:stretch>
+        </p:blipFill>
+        <p:spPr>
+          <a:xfrm>
+            <a:off x="4072095" y="4175111"/>
+            <a:ext cx="6677957" cy="1438476"/>
           </a:xfrm>
           <a:prstGeom prst="rect">
             <a:avLst/>
           </a:prstGeom>
         </p:spPr>
       </p:pic>
+      <p:cxnSp>
+        <p:nvCxnSpPr>
+          <p:cNvPr id="14" name="Gerade Verbindung mit Pfeil 13">
+            <a:extLst>
+              <a:ext uri="{FF2B5EF4-FFF2-40B4-BE49-F238E27FC236}">
+                <a16:creationId xmlns:a16="http://schemas.microsoft.com/office/drawing/2014/main" id="{C2351D45-43D1-EAD5-EACB-9CDBBAC5B26A}"/>
+              </a:ext>
+            </a:extLst>
+          </p:cNvPr>
+          <p:cNvCxnSpPr>
+            <a:cxnSpLocks/>
+            <a:stCxn id="9" idx="3"/>
+          </p:cNvCxnSpPr>
+          <p:nvPr/>
+        </p:nvCxnSpPr>
+        <p:spPr>
+          <a:xfrm>
+            <a:off x="5684837" y="2531249"/>
+            <a:ext cx="3943795" cy="1729855"/>
+          </a:xfrm>
+          <a:prstGeom prst="straightConnector1">
+            <a:avLst/>
+          </a:prstGeom>
+          <a:ln w="41275">
+            <a:tailEnd type="triangle"/>
+          </a:ln>
+        </p:spPr>
+        <p:style>
+          <a:lnRef idx="2">
+            <a:schemeClr val="dk1"/>
+          </a:lnRef>
+          <a:fillRef idx="0">
+            <a:schemeClr val="dk1"/>
+          </a:fillRef>
+          <a:effectRef idx="1">
+            <a:schemeClr val="dk1"/>
+          </a:effectRef>
+          <a:fontRef idx="minor">
+            <a:schemeClr val="tx1"/>
+          </a:fontRef>
+        </p:style>
+      </p:cxnSp>
     </p:spTree>
     <p:extLst>
       <p:ext uri="{BB962C8B-B14F-4D97-AF65-F5344CB8AC3E}">
-        <p14:creationId xmlns:p14="http://schemas.microsoft.com/office/powerpoint/2010/main" val="3582827267"/>
+        <p14:creationId xmlns:p14="http://schemas.microsoft.com/office/powerpoint/2010/main" val="663729643"/>
+      </p:ext>
+    </p:extLst>
+  </p:cSld>
+  <p:clrMapOvr>
+    <a:masterClrMapping/>
+  </p:clrMapOvr>
+  <p:timing>
+    <p:tnLst>
+      <p:par>
+        <p:cTn id="1" dur="indefinite" restart="never" nodeType="tmRoot">
+          <p:childTnLst>
+            <p:seq concurrent="1" nextAc="seek">
+              <p:cTn id="2" dur="indefinite" nodeType="mainSeq">
+                <p:childTnLst>
+                  <p:par>
+                    <p:cTn id="3" fill="hold">
+                      <p:stCondLst>
+                        <p:cond delay="indefinite"/>
+                      </p:stCondLst>
+                      <p:childTnLst>
+                        <p:par>
+                          <p:cTn id="4" fill="hold">
+                            <p:stCondLst>
+                              <p:cond delay="0"/>
+                            </p:stCondLst>
+                            <p:childTnLst>
+                              <p:par>
+                                <p:cTn id="5" presetID="1" presetClass="entr" presetSubtype="0" fill="hold" nodeType="clickEffect">
+                                  <p:stCondLst>
+                                    <p:cond delay="0"/>
+                                  </p:stCondLst>
+                                  <p:childTnLst>
+                                    <p:set>
+                                      <p:cBhvr>
+                                        <p:cTn id="6" dur="1" fill="hold">
+                                          <p:stCondLst>
+                                            <p:cond delay="0"/>
+                                          </p:stCondLst>
+                                        </p:cTn>
+                                        <p:tgtEl>
+                                          <p:spTgt spid="9"/>
+                                        </p:tgtEl>
+                                        <p:attrNameLst>
+                                          <p:attrName>style.visibility</p:attrName>
+                                        </p:attrNameLst>
+                                      </p:cBhvr>
+                                      <p:to>
+                                        <p:strVal val="visible"/>
+                                      </p:to>
+                                    </p:set>
+                                  </p:childTnLst>
+                                </p:cTn>
+                              </p:par>
+                            </p:childTnLst>
+                          </p:cTn>
+                        </p:par>
+                      </p:childTnLst>
+                    </p:cTn>
+                  </p:par>
+                  <p:par>
+                    <p:cTn id="7" fill="hold">
+                      <p:stCondLst>
+                        <p:cond delay="indefinite"/>
+                      </p:stCondLst>
+                      <p:childTnLst>
+                        <p:par>
+                          <p:cTn id="8" fill="hold">
+                            <p:stCondLst>
+                              <p:cond delay="0"/>
+                            </p:stCondLst>
+                            <p:childTnLst>
+                              <p:par>
+                                <p:cTn id="9" presetID="1" presetClass="entr" presetSubtype="0" fill="hold" nodeType="clickEffect">
+                                  <p:stCondLst>
+                                    <p:cond delay="0"/>
+                                  </p:stCondLst>
+                                  <p:childTnLst>
+                                    <p:set>
+                                      <p:cBhvr>
+                                        <p:cTn id="10" dur="1" fill="hold">
+                                          <p:stCondLst>
+                                            <p:cond delay="0"/>
+                                          </p:stCondLst>
+                                        </p:cTn>
+                                        <p:tgtEl>
+                                          <p:spTgt spid="12"/>
+                                        </p:tgtEl>
+                                        <p:attrNameLst>
+                                          <p:attrName>style.visibility</p:attrName>
+                                        </p:attrNameLst>
+                                      </p:cBhvr>
+                                      <p:to>
+                                        <p:strVal val="visible"/>
+                                      </p:to>
+                                    </p:set>
+                                  </p:childTnLst>
+                                </p:cTn>
+                              </p:par>
+                            </p:childTnLst>
+                          </p:cTn>
+                        </p:par>
+                      </p:childTnLst>
+                    </p:cTn>
+                  </p:par>
+                  <p:par>
+                    <p:cTn id="11" fill="hold">
+                      <p:stCondLst>
+                        <p:cond delay="indefinite"/>
+                      </p:stCondLst>
+                      <p:childTnLst>
+                        <p:par>
+                          <p:cTn id="12" fill="hold">
+                            <p:stCondLst>
+                              <p:cond delay="0"/>
+                            </p:stCondLst>
+                            <p:childTnLst>
+                              <p:par>
+                                <p:cTn id="13" presetID="1" presetClass="entr" presetSubtype="0" fill="hold" nodeType="clickEffect">
+                                  <p:stCondLst>
+                                    <p:cond delay="0"/>
+                                  </p:stCondLst>
+                                  <p:childTnLst>
+                                    <p:set>
+                                      <p:cBhvr>
+                                        <p:cTn id="14" dur="1" fill="hold">
+                                          <p:stCondLst>
+                                            <p:cond delay="0"/>
+                                          </p:stCondLst>
+                                        </p:cTn>
+                                        <p:tgtEl>
+                                          <p:spTgt spid="14"/>
+                                        </p:tgtEl>
+                                        <p:attrNameLst>
+                                          <p:attrName>style.visibility</p:attrName>
+                                        </p:attrNameLst>
+                                      </p:cBhvr>
+                                      <p:to>
+                                        <p:strVal val="visible"/>
+                                      </p:to>
+                                    </p:set>
+                                  </p:childTnLst>
+                                </p:cTn>
+                              </p:par>
+                            </p:childTnLst>
+                          </p:cTn>
+                        </p:par>
+                      </p:childTnLst>
+                    </p:cTn>
+                  </p:par>
+                </p:childTnLst>
+              </p:cTn>
+              <p:prevCondLst>
+                <p:cond evt="onPrev" delay="0">
+                  <p:tgtEl>
+                    <p:sldTgt/>
+                  </p:tgtEl>
+                </p:cond>
+              </p:prevCondLst>
+              <p:nextCondLst>
+                <p:cond evt="onNext" delay="0">
+                  <p:tgtEl>
+                    <p:sldTgt/>
+                  </p:tgtEl>
+                </p:cond>
+              </p:nextCondLst>
+            </p:seq>
+          </p:childTnLst>
+        </p:cTn>
+      </p:par>
+    </p:tnLst>
+  </p:timing>
+</p:sld>
+</file>
+
+<file path=ppt/slides/slide8.xml><?xml version="1.0" encoding="utf-8"?>
+<p:sld xmlns:a="http://schemas.openxmlformats.org/drawingml/2006/main" xmlns:r="http://schemas.openxmlformats.org/officeDocument/2006/relationships" xmlns:p="http://schemas.openxmlformats.org/presentationml/2006/main">
+  <p:cSld>
+    <p:spTree>
+      <p:nvGrpSpPr>
+        <p:cNvPr id="1" name=""/>
+        <p:cNvGrpSpPr/>
+        <p:nvPr/>
+      </p:nvGrpSpPr>
+      <p:grpSpPr>
+        <a:xfrm>
+          <a:off x="0" y="0"/>
+          <a:ext cx="0" cy="0"/>
+          <a:chOff x="0" y="0"/>
+          <a:chExt cx="0" cy="0"/>
+        </a:xfrm>
+      </p:grpSpPr>
+      <p:grpSp>
+        <p:nvGrpSpPr>
+          <p:cNvPr id="54" name="Gruppieren 53">
+            <a:extLst>
+              <a:ext uri="{FF2B5EF4-FFF2-40B4-BE49-F238E27FC236}">
+                <a16:creationId xmlns:a16="http://schemas.microsoft.com/office/drawing/2014/main" id="{685183EE-EC5C-ACDB-5DF0-A8D3AB86B31D}"/>
+              </a:ext>
+            </a:extLst>
+          </p:cNvPr>
+          <p:cNvGrpSpPr/>
+          <p:nvPr/>
+        </p:nvGrpSpPr>
+        <p:grpSpPr>
+          <a:xfrm>
+            <a:off x="2038373" y="1005245"/>
+            <a:ext cx="2764536" cy="1642398"/>
+            <a:chOff x="2287755" y="1725681"/>
+            <a:chExt cx="2764536" cy="1642398"/>
+          </a:xfrm>
+        </p:grpSpPr>
+        <p:sp>
+          <p:nvSpPr>
+            <p:cNvPr id="5" name="Rechteck 4">
+              <a:extLst>
+                <a:ext uri="{FF2B5EF4-FFF2-40B4-BE49-F238E27FC236}">
+                  <a16:creationId xmlns:a16="http://schemas.microsoft.com/office/drawing/2014/main" id="{28708865-B31A-FAEB-0A76-8DBD144A3DE4}"/>
+                </a:ext>
+              </a:extLst>
+            </p:cNvPr>
+            <p:cNvSpPr/>
+            <p:nvPr/>
+          </p:nvSpPr>
+          <p:spPr>
+            <a:xfrm>
+              <a:off x="2287755" y="2356617"/>
+              <a:ext cx="2764536" cy="1011462"/>
+            </a:xfrm>
+            <a:prstGeom prst="rect">
+              <a:avLst/>
+            </a:prstGeom>
+            <a:solidFill>
+              <a:schemeClr val="bg1"/>
+            </a:solidFill>
+          </p:spPr>
+          <p:style>
+            <a:lnRef idx="2">
+              <a:schemeClr val="accent1">
+                <a:shade val="15000"/>
+              </a:schemeClr>
+            </a:lnRef>
+            <a:fillRef idx="1">
+              <a:schemeClr val="accent1"/>
+            </a:fillRef>
+            <a:effectRef idx="0">
+              <a:schemeClr val="accent1"/>
+            </a:effectRef>
+            <a:fontRef idx="minor">
+              <a:schemeClr val="lt1"/>
+            </a:fontRef>
+          </p:style>
+          <p:txBody>
+            <a:bodyPr rtlCol="0" anchor="ctr"/>
+            <a:lstStyle/>
+            <a:p>
+              <a:pPr algn="ctr"/>
+              <a:endParaRPr lang="de-DE" dirty="0"/>
+            </a:p>
+          </p:txBody>
+        </p:sp>
+        <p:sp>
+          <p:nvSpPr>
+            <p:cNvPr id="8" name="Rechteck 7">
+              <a:extLst>
+                <a:ext uri="{FF2B5EF4-FFF2-40B4-BE49-F238E27FC236}">
+                  <a16:creationId xmlns:a16="http://schemas.microsoft.com/office/drawing/2014/main" id="{6EC5C559-8212-7890-0597-6DC1CD3DC703}"/>
+                </a:ext>
+              </a:extLst>
+            </p:cNvPr>
+            <p:cNvSpPr/>
+            <p:nvPr/>
+          </p:nvSpPr>
+          <p:spPr>
+            <a:xfrm>
+              <a:off x="2287755" y="1725681"/>
+              <a:ext cx="2764536" cy="643493"/>
+            </a:xfrm>
+            <a:prstGeom prst="rect">
+              <a:avLst/>
+            </a:prstGeom>
+            <a:solidFill>
+              <a:schemeClr val="bg1"/>
+            </a:solidFill>
+          </p:spPr>
+          <p:style>
+            <a:lnRef idx="2">
+              <a:schemeClr val="accent1">
+                <a:shade val="15000"/>
+              </a:schemeClr>
+            </a:lnRef>
+            <a:fillRef idx="1">
+              <a:schemeClr val="accent1"/>
+            </a:fillRef>
+            <a:effectRef idx="0">
+              <a:schemeClr val="accent1"/>
+            </a:effectRef>
+            <a:fontRef idx="minor">
+              <a:schemeClr val="lt1"/>
+            </a:fontRef>
+          </p:style>
+          <p:txBody>
+            <a:bodyPr rtlCol="0" anchor="ctr"/>
+            <a:lstStyle/>
+            <a:p>
+              <a:pPr algn="ctr"/>
+              <a:r>
+                <a:rPr lang="de-DE" dirty="0">
+                  <a:solidFill>
+                    <a:schemeClr val="tx1"/>
+                  </a:solidFill>
+                </a:rPr>
+                <a:t>Settings</a:t>
+              </a:r>
+            </a:p>
+          </p:txBody>
+        </p:sp>
+        <p:sp>
+          <p:nvSpPr>
+            <p:cNvPr id="9" name="Textfeld 8">
+              <a:extLst>
+                <a:ext uri="{FF2B5EF4-FFF2-40B4-BE49-F238E27FC236}">
+                  <a16:creationId xmlns:a16="http://schemas.microsoft.com/office/drawing/2014/main" id="{12F308FA-3246-75FD-9D28-5FBEF71AA4E3}"/>
+                </a:ext>
+              </a:extLst>
+            </p:cNvPr>
+            <p:cNvSpPr txBox="1"/>
+            <p:nvPr/>
+          </p:nvSpPr>
+          <p:spPr>
+            <a:xfrm>
+              <a:off x="2287755" y="2411896"/>
+              <a:ext cx="2764536" cy="923330"/>
+            </a:xfrm>
+            <a:prstGeom prst="rect">
+              <a:avLst/>
+            </a:prstGeom>
+            <a:noFill/>
+          </p:spPr>
+          <p:txBody>
+            <a:bodyPr wrap="square" rtlCol="0">
+              <a:spAutoFit/>
+            </a:bodyPr>
+            <a:lstStyle/>
+            <a:p>
+              <a:r>
+                <a:rPr lang="de-DE" dirty="0"/>
+                <a:t>+ </a:t>
+              </a:r>
+              <a:r>
+                <a:rPr lang="de-DE" dirty="0" err="1"/>
+                <a:t>user</a:t>
+              </a:r>
+              <a:endParaRPr lang="de-DE" dirty="0"/>
+            </a:p>
+            <a:p>
+              <a:r>
+                <a:rPr lang="de-DE" dirty="0"/>
+                <a:t>+ </a:t>
+              </a:r>
+              <a:r>
+                <a:rPr lang="de-DE" dirty="0" err="1"/>
+                <a:t>setting_file</a:t>
+              </a:r>
+              <a:endParaRPr lang="de-DE" dirty="0"/>
+            </a:p>
+            <a:p>
+              <a:r>
+                <a:rPr lang="de-DE" dirty="0"/>
+                <a:t>+ </a:t>
+              </a:r>
+              <a:r>
+                <a:rPr lang="de-DE" dirty="0" err="1"/>
+                <a:t>set_location_settings</a:t>
+              </a:r>
+              <a:r>
+                <a:rPr lang="de-DE" dirty="0"/>
+                <a:t>()</a:t>
+              </a:r>
+            </a:p>
+          </p:txBody>
+        </p:sp>
+      </p:grpSp>
+      <p:grpSp>
+        <p:nvGrpSpPr>
+          <p:cNvPr id="18" name="Gruppieren 17">
+            <a:extLst>
+              <a:ext uri="{FF2B5EF4-FFF2-40B4-BE49-F238E27FC236}">
+                <a16:creationId xmlns:a16="http://schemas.microsoft.com/office/drawing/2014/main" id="{56E32BFE-569A-28B5-0A51-517DA35F43D6}"/>
+              </a:ext>
+            </a:extLst>
+          </p:cNvPr>
+          <p:cNvGrpSpPr/>
+          <p:nvPr/>
+        </p:nvGrpSpPr>
+        <p:grpSpPr>
+          <a:xfrm>
+            <a:off x="2701015" y="3293974"/>
+            <a:ext cx="2767584" cy="2136803"/>
+            <a:chOff x="4032504" y="2389632"/>
+            <a:chExt cx="2767584" cy="2136803"/>
+          </a:xfrm>
+        </p:grpSpPr>
+        <p:sp>
+          <p:nvSpPr>
+            <p:cNvPr id="13" name="Rechteck 12">
+              <a:extLst>
+                <a:ext uri="{FF2B5EF4-FFF2-40B4-BE49-F238E27FC236}">
+                  <a16:creationId xmlns:a16="http://schemas.microsoft.com/office/drawing/2014/main" id="{FFB30BF3-8C68-D5A8-B413-EAD398C02FD0}"/>
+                </a:ext>
+              </a:extLst>
+            </p:cNvPr>
+            <p:cNvSpPr/>
+            <p:nvPr/>
+          </p:nvSpPr>
+          <p:spPr>
+            <a:xfrm>
+              <a:off x="4035552" y="3803904"/>
+              <a:ext cx="2764536" cy="722531"/>
+            </a:xfrm>
+            <a:prstGeom prst="rect">
+              <a:avLst/>
+            </a:prstGeom>
+            <a:solidFill>
+              <a:schemeClr val="bg1"/>
+            </a:solidFill>
+          </p:spPr>
+          <p:style>
+            <a:lnRef idx="2">
+              <a:schemeClr val="accent1">
+                <a:shade val="15000"/>
+              </a:schemeClr>
+            </a:lnRef>
+            <a:fillRef idx="1">
+              <a:schemeClr val="accent1"/>
+            </a:fillRef>
+            <a:effectRef idx="0">
+              <a:schemeClr val="accent1"/>
+            </a:effectRef>
+            <a:fontRef idx="minor">
+              <a:schemeClr val="lt1"/>
+            </a:fontRef>
+          </p:style>
+          <p:txBody>
+            <a:bodyPr rtlCol="0" anchor="ctr"/>
+            <a:lstStyle/>
+            <a:p>
+              <a:pPr algn="ctr"/>
+              <a:endParaRPr lang="de-DE" dirty="0"/>
+            </a:p>
+          </p:txBody>
+        </p:sp>
+        <p:sp>
+          <p:nvSpPr>
+            <p:cNvPr id="14" name="Rechteck 13">
+              <a:extLst>
+                <a:ext uri="{FF2B5EF4-FFF2-40B4-BE49-F238E27FC236}">
+                  <a16:creationId xmlns:a16="http://schemas.microsoft.com/office/drawing/2014/main" id="{75196288-88E0-CF41-DF90-A36F1C0228C4}"/>
+                </a:ext>
+              </a:extLst>
+            </p:cNvPr>
+            <p:cNvSpPr/>
+            <p:nvPr/>
+          </p:nvSpPr>
+          <p:spPr>
+            <a:xfrm>
+              <a:off x="4035552" y="2389632"/>
+              <a:ext cx="2764536" cy="707136"/>
+            </a:xfrm>
+            <a:prstGeom prst="rect">
+              <a:avLst/>
+            </a:prstGeom>
+            <a:solidFill>
+              <a:schemeClr val="bg1"/>
+            </a:solidFill>
+          </p:spPr>
+          <p:style>
+            <a:lnRef idx="2">
+              <a:schemeClr val="accent1">
+                <a:shade val="15000"/>
+              </a:schemeClr>
+            </a:lnRef>
+            <a:fillRef idx="1">
+              <a:schemeClr val="accent1"/>
+            </a:fillRef>
+            <a:effectRef idx="0">
+              <a:schemeClr val="accent1"/>
+            </a:effectRef>
+            <a:fontRef idx="minor">
+              <a:schemeClr val="lt1"/>
+            </a:fontRef>
+          </p:style>
+          <p:txBody>
+            <a:bodyPr rtlCol="0" anchor="ctr"/>
+            <a:lstStyle/>
+            <a:p>
+              <a:pPr algn="ctr"/>
+              <a:r>
+                <a:rPr lang="de-DE" dirty="0">
+                  <a:solidFill>
+                    <a:schemeClr val="tx1"/>
+                  </a:solidFill>
+                </a:rPr>
+                <a:t>Location</a:t>
+              </a:r>
+            </a:p>
+          </p:txBody>
+        </p:sp>
+        <p:sp>
+          <p:nvSpPr>
+            <p:cNvPr id="15" name="Textfeld 14">
+              <a:extLst>
+                <a:ext uri="{FF2B5EF4-FFF2-40B4-BE49-F238E27FC236}">
+                  <a16:creationId xmlns:a16="http://schemas.microsoft.com/office/drawing/2014/main" id="{93B86DC0-5E11-7F1F-66FF-C2B3B464F36D}"/>
+                </a:ext>
+              </a:extLst>
+            </p:cNvPr>
+            <p:cNvSpPr txBox="1"/>
+            <p:nvPr/>
+          </p:nvSpPr>
+          <p:spPr>
+            <a:xfrm>
+              <a:off x="4032504" y="3880104"/>
+              <a:ext cx="2511552" cy="646331"/>
+            </a:xfrm>
+            <a:prstGeom prst="rect">
+              <a:avLst/>
+            </a:prstGeom>
+            <a:noFill/>
+          </p:spPr>
+          <p:txBody>
+            <a:bodyPr wrap="square" rtlCol="0">
+              <a:spAutoFit/>
+            </a:bodyPr>
+            <a:lstStyle/>
+            <a:p>
+              <a:r>
+                <a:rPr lang="de-DE" dirty="0"/>
+                <a:t>+ </a:t>
+              </a:r>
+              <a:r>
+                <a:rPr lang="de-DE" dirty="0" err="1"/>
+                <a:t>get_request</a:t>
+              </a:r>
+              <a:r>
+                <a:rPr lang="de-DE" dirty="0"/>
+                <a:t>()</a:t>
+              </a:r>
+            </a:p>
+            <a:p>
+              <a:r>
+                <a:rPr lang="de-DE" dirty="0"/>
+                <a:t>- </a:t>
+              </a:r>
+              <a:r>
+                <a:rPr lang="de-DE" dirty="0" err="1"/>
+                <a:t>r_location</a:t>
+              </a:r>
+              <a:endParaRPr lang="de-DE" dirty="0"/>
+            </a:p>
+          </p:txBody>
+        </p:sp>
+        <p:sp>
+          <p:nvSpPr>
+            <p:cNvPr id="16" name="Rechteck 15">
+              <a:extLst>
+                <a:ext uri="{FF2B5EF4-FFF2-40B4-BE49-F238E27FC236}">
+                  <a16:creationId xmlns:a16="http://schemas.microsoft.com/office/drawing/2014/main" id="{78092971-D060-EA7C-8CEF-7E70C33542D8}"/>
+                </a:ext>
+              </a:extLst>
+            </p:cNvPr>
+            <p:cNvSpPr/>
+            <p:nvPr/>
+          </p:nvSpPr>
+          <p:spPr>
+            <a:xfrm>
+              <a:off x="4035552" y="3096768"/>
+              <a:ext cx="2764536" cy="722531"/>
+            </a:xfrm>
+            <a:prstGeom prst="rect">
+              <a:avLst/>
+            </a:prstGeom>
+            <a:solidFill>
+              <a:schemeClr val="bg1"/>
+            </a:solidFill>
+          </p:spPr>
+          <p:style>
+            <a:lnRef idx="2">
+              <a:schemeClr val="accent1">
+                <a:shade val="15000"/>
+              </a:schemeClr>
+            </a:lnRef>
+            <a:fillRef idx="1">
+              <a:schemeClr val="accent1"/>
+            </a:fillRef>
+            <a:effectRef idx="0">
+              <a:schemeClr val="accent1"/>
+            </a:effectRef>
+            <a:fontRef idx="minor">
+              <a:schemeClr val="lt1"/>
+            </a:fontRef>
+          </p:style>
+          <p:txBody>
+            <a:bodyPr rtlCol="0" anchor="ctr"/>
+            <a:lstStyle/>
+            <a:p>
+              <a:pPr algn="ctr"/>
+              <a:endParaRPr lang="de-DE" dirty="0"/>
+            </a:p>
+          </p:txBody>
+        </p:sp>
+        <p:sp>
+          <p:nvSpPr>
+            <p:cNvPr id="17" name="Textfeld 16">
+              <a:extLst>
+                <a:ext uri="{FF2B5EF4-FFF2-40B4-BE49-F238E27FC236}">
+                  <a16:creationId xmlns:a16="http://schemas.microsoft.com/office/drawing/2014/main" id="{E88235AD-C57C-1ECF-B9AA-877A2E4E140E}"/>
+                </a:ext>
+              </a:extLst>
+            </p:cNvPr>
+            <p:cNvSpPr txBox="1"/>
+            <p:nvPr/>
+          </p:nvSpPr>
+          <p:spPr>
+            <a:xfrm>
+              <a:off x="4035552" y="3096768"/>
+              <a:ext cx="2764536" cy="646331"/>
+            </a:xfrm>
+            <a:prstGeom prst="rect">
+              <a:avLst/>
+            </a:prstGeom>
+            <a:noFill/>
+          </p:spPr>
+          <p:txBody>
+            <a:bodyPr wrap="square" rtlCol="0">
+              <a:spAutoFit/>
+            </a:bodyPr>
+            <a:lstStyle/>
+            <a:p>
+              <a:r>
+                <a:rPr lang="de-DE" dirty="0"/>
+                <a:t>+ </a:t>
+              </a:r>
+              <a:r>
+                <a:rPr lang="de-DE" dirty="0" err="1"/>
+                <a:t>get_coordinates</a:t>
+              </a:r>
+              <a:r>
+                <a:rPr lang="de-DE" dirty="0"/>
+                <a:t>() </a:t>
+              </a:r>
+            </a:p>
+            <a:p>
+              <a:r>
+                <a:rPr lang="de-DE" dirty="0"/>
+                <a:t>+ </a:t>
+              </a:r>
+              <a:r>
+                <a:rPr lang="de-DE" dirty="0" err="1"/>
+                <a:t>get_city</a:t>
+              </a:r>
+              <a:r>
+                <a:rPr lang="de-DE" dirty="0"/>
+                <a:t>()</a:t>
+              </a:r>
+            </a:p>
+          </p:txBody>
+        </p:sp>
+      </p:grpSp>
+      <p:cxnSp>
+        <p:nvCxnSpPr>
+          <p:cNvPr id="32" name="Gerade Verbindung mit Pfeil 31">
+            <a:extLst>
+              <a:ext uri="{FF2B5EF4-FFF2-40B4-BE49-F238E27FC236}">
+                <a16:creationId xmlns:a16="http://schemas.microsoft.com/office/drawing/2014/main" id="{8CB72C25-3F14-6AD2-D8C1-21F21A4DDF72}"/>
+              </a:ext>
+            </a:extLst>
+          </p:cNvPr>
+          <p:cNvCxnSpPr>
+            <a:cxnSpLocks/>
+            <a:stCxn id="14" idx="0"/>
+            <a:endCxn id="5" idx="2"/>
+          </p:cNvCxnSpPr>
+          <p:nvPr/>
+        </p:nvCxnSpPr>
+        <p:spPr>
+          <a:xfrm flipH="1" flipV="1">
+            <a:off x="3420641" y="2647643"/>
+            <a:ext cx="665690" cy="646331"/>
+          </a:xfrm>
+          <a:prstGeom prst="straightConnector1">
+            <a:avLst/>
+          </a:prstGeom>
+          <a:ln w="38100">
+            <a:tailEnd type="triangle"/>
+          </a:ln>
+        </p:spPr>
+        <p:style>
+          <a:lnRef idx="2">
+            <a:schemeClr val="dk1"/>
+          </a:lnRef>
+          <a:fillRef idx="0">
+            <a:schemeClr val="dk1"/>
+          </a:fillRef>
+          <a:effectRef idx="1">
+            <a:schemeClr val="dk1"/>
+          </a:effectRef>
+          <a:fontRef idx="minor">
+            <a:schemeClr val="tx1"/>
+          </a:fontRef>
+        </p:style>
+      </p:cxnSp>
+    </p:spTree>
+    <p:extLst>
+      <p:ext uri="{BB962C8B-B14F-4D97-AF65-F5344CB8AC3E}">
+        <p14:creationId xmlns:p14="http://schemas.microsoft.com/office/powerpoint/2010/main" val="438772222"/>
+      </p:ext>
+    </p:extLst>
+  </p:cSld>
+  <p:clrMapOvr>
+    <a:masterClrMapping/>
+  </p:clrMapOvr>
+  <p:timing>
+    <p:tnLst>
+      <p:par>
+        <p:cTn id="1" dur="indefinite" restart="never" nodeType="tmRoot">
+          <p:childTnLst>
+            <p:seq concurrent="1" nextAc="seek">
+              <p:cTn id="2" dur="indefinite" nodeType="mainSeq">
+                <p:childTnLst>
+                  <p:par>
+                    <p:cTn id="3" fill="hold">
+                      <p:stCondLst>
+                        <p:cond delay="indefinite"/>
+                      </p:stCondLst>
+                      <p:childTnLst>
+                        <p:par>
+                          <p:cTn id="4" fill="hold">
+                            <p:stCondLst>
+                              <p:cond delay="0"/>
+                            </p:stCondLst>
+                            <p:childTnLst>
+                              <p:par>
+                                <p:cTn id="5" presetID="1" presetClass="entr" presetSubtype="0" fill="hold" nodeType="clickEffect">
+                                  <p:stCondLst>
+                                    <p:cond delay="0"/>
+                                  </p:stCondLst>
+                                  <p:childTnLst>
+                                    <p:set>
+                                      <p:cBhvr>
+                                        <p:cTn id="6" dur="1" fill="hold">
+                                          <p:stCondLst>
+                                            <p:cond delay="0"/>
+                                          </p:stCondLst>
+                                        </p:cTn>
+                                        <p:tgtEl>
+                                          <p:spTgt spid="18"/>
+                                        </p:tgtEl>
+                                        <p:attrNameLst>
+                                          <p:attrName>style.visibility</p:attrName>
+                                        </p:attrNameLst>
+                                      </p:cBhvr>
+                                      <p:to>
+                                        <p:strVal val="visible"/>
+                                      </p:to>
+                                    </p:set>
+                                  </p:childTnLst>
+                                </p:cTn>
+                              </p:par>
+                            </p:childTnLst>
+                          </p:cTn>
+                        </p:par>
+                      </p:childTnLst>
+                    </p:cTn>
+                  </p:par>
+                  <p:par>
+                    <p:cTn id="7" fill="hold">
+                      <p:stCondLst>
+                        <p:cond delay="indefinite"/>
+                      </p:stCondLst>
+                      <p:childTnLst>
+                        <p:par>
+                          <p:cTn id="8" fill="hold">
+                            <p:stCondLst>
+                              <p:cond delay="0"/>
+                            </p:stCondLst>
+                            <p:childTnLst>
+                              <p:par>
+                                <p:cTn id="9" presetID="1" presetClass="entr" presetSubtype="0" fill="hold" nodeType="clickEffect">
+                                  <p:stCondLst>
+                                    <p:cond delay="0"/>
+                                  </p:stCondLst>
+                                  <p:childTnLst>
+                                    <p:set>
+                                      <p:cBhvr>
+                                        <p:cTn id="10" dur="1" fill="hold">
+                                          <p:stCondLst>
+                                            <p:cond delay="0"/>
+                                          </p:stCondLst>
+                                        </p:cTn>
+                                        <p:tgtEl>
+                                          <p:spTgt spid="32"/>
+                                        </p:tgtEl>
+                                        <p:attrNameLst>
+                                          <p:attrName>style.visibility</p:attrName>
+                                        </p:attrNameLst>
+                                      </p:cBhvr>
+                                      <p:to>
+                                        <p:strVal val="visible"/>
+                                      </p:to>
+                                    </p:set>
+                                  </p:childTnLst>
+                                </p:cTn>
+                              </p:par>
+                            </p:childTnLst>
+                          </p:cTn>
+                        </p:par>
+                      </p:childTnLst>
+                    </p:cTn>
+                  </p:par>
+                </p:childTnLst>
+              </p:cTn>
+              <p:prevCondLst>
+                <p:cond evt="onPrev" delay="0">
+                  <p:tgtEl>
+                    <p:sldTgt/>
+                  </p:tgtEl>
+                </p:cond>
+              </p:prevCondLst>
+              <p:nextCondLst>
+                <p:cond evt="onNext" delay="0">
+                  <p:tgtEl>
+                    <p:sldTgt/>
+                  </p:tgtEl>
+                </p:cond>
+              </p:nextCondLst>
+            </p:seq>
+          </p:childTnLst>
+        </p:cTn>
+      </p:par>
+    </p:tnLst>
+  </p:timing>
+</p:sld>
+</file>
+
+<file path=ppt/slides/slide9.xml><?xml version="1.0" encoding="utf-8"?>
+<p:sld xmlns:a="http://schemas.openxmlformats.org/drawingml/2006/main" xmlns:r="http://schemas.openxmlformats.org/officeDocument/2006/relationships" xmlns:p="http://schemas.openxmlformats.org/presentationml/2006/main">
+  <p:cSld>
+    <p:spTree>
+      <p:nvGrpSpPr>
+        <p:cNvPr id="1" name=""/>
+        <p:cNvGrpSpPr/>
+        <p:nvPr/>
+      </p:nvGrpSpPr>
+      <p:grpSpPr>
+        <a:xfrm>
+          <a:off x="0" y="0"/>
+          <a:ext cx="0" cy="0"/>
+          <a:chOff x="0" y="0"/>
+          <a:chExt cx="0" cy="0"/>
+        </a:xfrm>
+      </p:grpSpPr>
+      <p:sp>
+        <p:nvSpPr>
+          <p:cNvPr id="2" name="Titel 1">
+            <a:extLst>
+              <a:ext uri="{FF2B5EF4-FFF2-40B4-BE49-F238E27FC236}">
+                <a16:creationId xmlns:a16="http://schemas.microsoft.com/office/drawing/2014/main" id="{5B185B00-A8E8-E23E-2834-01EA05EF788D}"/>
+              </a:ext>
+            </a:extLst>
+          </p:cNvPr>
+          <p:cNvSpPr>
+            <a:spLocks noGrp="1"/>
+          </p:cNvSpPr>
+          <p:nvPr>
+            <p:ph type="title"/>
+          </p:nvPr>
+        </p:nvSpPr>
+        <p:spPr/>
+        <p:txBody>
+          <a:bodyPr/>
+          <a:lstStyle/>
+          <a:p>
+            <a:r>
+              <a:rPr lang="de-DE" dirty="0"/>
+              <a:t>API </a:t>
+            </a:r>
+            <a:r>
+              <a:rPr lang="de-DE" dirty="0" err="1"/>
+              <a:t>call</a:t>
+            </a:r>
+            <a:endParaRPr lang="de-DE" dirty="0"/>
+          </a:p>
+        </p:txBody>
+      </p:sp>
+      <p:sp>
+        <p:nvSpPr>
+          <p:cNvPr id="4" name="Rechteck 3">
+            <a:extLst>
+              <a:ext uri="{FF2B5EF4-FFF2-40B4-BE49-F238E27FC236}">
+                <a16:creationId xmlns:a16="http://schemas.microsoft.com/office/drawing/2014/main" id="{9A5A7C17-AE8E-43EB-2E81-EE5389DDDD63}"/>
+              </a:ext>
+            </a:extLst>
+          </p:cNvPr>
+          <p:cNvSpPr/>
+          <p:nvPr/>
+        </p:nvSpPr>
+        <p:spPr>
+          <a:xfrm>
+            <a:off x="728472" y="2999232"/>
+            <a:ext cx="1956816" cy="1179576"/>
+          </a:xfrm>
+          <a:prstGeom prst="rect">
+            <a:avLst/>
+          </a:prstGeom>
+          <a:solidFill>
+            <a:schemeClr val="bg1"/>
+          </a:solidFill>
+          <a:ln>
+            <a:solidFill>
+              <a:schemeClr val="tx1"/>
+            </a:solidFill>
+          </a:ln>
+        </p:spPr>
+        <p:style>
+          <a:lnRef idx="2">
+            <a:schemeClr val="accent1">
+              <a:shade val="15000"/>
+            </a:schemeClr>
+          </a:lnRef>
+          <a:fillRef idx="1">
+            <a:schemeClr val="accent1"/>
+          </a:fillRef>
+          <a:effectRef idx="0">
+            <a:schemeClr val="accent1"/>
+          </a:effectRef>
+          <a:fontRef idx="minor">
+            <a:schemeClr val="lt1"/>
+          </a:fontRef>
+        </p:style>
+        <p:txBody>
+          <a:bodyPr rtlCol="0" anchor="ctr"/>
+          <a:lstStyle/>
+          <a:p>
+            <a:pPr algn="ctr"/>
+            <a:endParaRPr lang="de-DE" dirty="0"/>
+          </a:p>
+        </p:txBody>
+      </p:sp>
+      <p:sp>
+        <p:nvSpPr>
+          <p:cNvPr id="6" name="Textfeld 5">
+            <a:extLst>
+              <a:ext uri="{FF2B5EF4-FFF2-40B4-BE49-F238E27FC236}">
+                <a16:creationId xmlns:a16="http://schemas.microsoft.com/office/drawing/2014/main" id="{152C3C5E-2745-C1DB-CF86-8BEA28E0AFA7}"/>
+              </a:ext>
+            </a:extLst>
+          </p:cNvPr>
+          <p:cNvSpPr txBox="1"/>
+          <p:nvPr/>
+        </p:nvSpPr>
+        <p:spPr>
+          <a:xfrm>
+            <a:off x="728472" y="2999232"/>
+            <a:ext cx="1956816" cy="1508105"/>
+          </a:xfrm>
+          <a:prstGeom prst="rect">
+            <a:avLst/>
+          </a:prstGeom>
+          <a:noFill/>
+        </p:spPr>
+        <p:txBody>
+          <a:bodyPr wrap="square" rtlCol="0">
+            <a:spAutoFit/>
+          </a:bodyPr>
+          <a:lstStyle/>
+          <a:p>
+            <a:r>
+              <a:rPr lang="de-DE" sz="2000" b="1" dirty="0"/>
+              <a:t>Anfrage</a:t>
+            </a:r>
+          </a:p>
+          <a:p>
+            <a:pPr marL="285750" indent="-285750">
+              <a:buFontTx/>
+              <a:buChar char="-"/>
+            </a:pPr>
+            <a:r>
+              <a:rPr lang="de-DE" dirty="0"/>
+              <a:t>Land </a:t>
+            </a:r>
+          </a:p>
+          <a:p>
+            <a:pPr marL="285750" indent="-285750">
+              <a:buFontTx/>
+              <a:buChar char="-"/>
+            </a:pPr>
+            <a:r>
+              <a:rPr lang="de-DE" dirty="0"/>
+              <a:t>Bundesland</a:t>
+            </a:r>
+          </a:p>
+          <a:p>
+            <a:pPr marL="285750" indent="-285750">
+              <a:buFontTx/>
+              <a:buChar char="-"/>
+            </a:pPr>
+            <a:r>
+              <a:rPr lang="de-DE" dirty="0"/>
+              <a:t>Stadt </a:t>
+            </a:r>
+          </a:p>
+          <a:p>
+            <a:endParaRPr lang="de-DE" dirty="0"/>
+          </a:p>
+        </p:txBody>
+      </p:sp>
+      <p:sp>
+        <p:nvSpPr>
+          <p:cNvPr id="7" name="Pfeil: nach rechts 6">
+            <a:extLst>
+              <a:ext uri="{FF2B5EF4-FFF2-40B4-BE49-F238E27FC236}">
+                <a16:creationId xmlns:a16="http://schemas.microsoft.com/office/drawing/2014/main" id="{C4D74738-B695-DBE3-094D-49644A0C99F9}"/>
+              </a:ext>
+            </a:extLst>
+          </p:cNvPr>
+          <p:cNvSpPr/>
+          <p:nvPr/>
+        </p:nvSpPr>
+        <p:spPr>
+          <a:xfrm>
+            <a:off x="3124200" y="3328416"/>
+            <a:ext cx="1499616" cy="493776"/>
+          </a:xfrm>
+          <a:prstGeom prst="rightArrow">
+            <a:avLst/>
+          </a:prstGeom>
+        </p:spPr>
+        <p:style>
+          <a:lnRef idx="2">
+            <a:schemeClr val="accent1">
+              <a:shade val="15000"/>
+            </a:schemeClr>
+          </a:lnRef>
+          <a:fillRef idx="1">
+            <a:schemeClr val="accent1"/>
+          </a:fillRef>
+          <a:effectRef idx="0">
+            <a:schemeClr val="accent1"/>
+          </a:effectRef>
+          <a:fontRef idx="minor">
+            <a:schemeClr val="lt1"/>
+          </a:fontRef>
+        </p:style>
+        <p:txBody>
+          <a:bodyPr rtlCol="0" anchor="ctr"/>
+          <a:lstStyle/>
+          <a:p>
+            <a:pPr algn="ctr"/>
+            <a:endParaRPr lang="de-DE" dirty="0"/>
+          </a:p>
+        </p:txBody>
+      </p:sp>
+      <p:sp>
+        <p:nvSpPr>
+          <p:cNvPr id="9" name="Rechteck 8">
+            <a:extLst>
+              <a:ext uri="{FF2B5EF4-FFF2-40B4-BE49-F238E27FC236}">
+                <a16:creationId xmlns:a16="http://schemas.microsoft.com/office/drawing/2014/main" id="{E2248E95-2505-B83F-3094-1434EB17EDAE}"/>
+              </a:ext>
+            </a:extLst>
+          </p:cNvPr>
+          <p:cNvSpPr/>
+          <p:nvPr/>
+        </p:nvSpPr>
+        <p:spPr>
+          <a:xfrm>
+            <a:off x="5062728" y="2999232"/>
+            <a:ext cx="1956816" cy="1179576"/>
+          </a:xfrm>
+          <a:prstGeom prst="rect">
+            <a:avLst/>
+          </a:prstGeom>
+          <a:solidFill>
+            <a:schemeClr val="bg1"/>
+          </a:solidFill>
+          <a:ln>
+            <a:solidFill>
+              <a:schemeClr val="tx1"/>
+            </a:solidFill>
+          </a:ln>
+        </p:spPr>
+        <p:style>
+          <a:lnRef idx="2">
+            <a:schemeClr val="accent1">
+              <a:shade val="15000"/>
+            </a:schemeClr>
+          </a:lnRef>
+          <a:fillRef idx="1">
+            <a:schemeClr val="accent1"/>
+          </a:fillRef>
+          <a:effectRef idx="0">
+            <a:schemeClr val="accent1"/>
+          </a:effectRef>
+          <a:fontRef idx="minor">
+            <a:schemeClr val="lt1"/>
+          </a:fontRef>
+        </p:style>
+        <p:txBody>
+          <a:bodyPr rtlCol="0" anchor="ctr"/>
+          <a:lstStyle/>
+          <a:p>
+            <a:pPr algn="ctr"/>
+            <a:endParaRPr lang="de-DE" dirty="0"/>
+          </a:p>
+        </p:txBody>
+      </p:sp>
+      <p:sp>
+        <p:nvSpPr>
+          <p:cNvPr id="10" name="Textfeld 9">
+            <a:extLst>
+              <a:ext uri="{FF2B5EF4-FFF2-40B4-BE49-F238E27FC236}">
+                <a16:creationId xmlns:a16="http://schemas.microsoft.com/office/drawing/2014/main" id="{4084F2E4-8CB8-D496-586C-E8DCC13749F8}"/>
+              </a:ext>
+            </a:extLst>
+          </p:cNvPr>
+          <p:cNvSpPr txBox="1"/>
+          <p:nvPr/>
+        </p:nvSpPr>
+        <p:spPr>
+          <a:xfrm>
+            <a:off x="5108448" y="3076176"/>
+            <a:ext cx="1865376" cy="677108"/>
+          </a:xfrm>
+          <a:prstGeom prst="rect">
+            <a:avLst/>
+          </a:prstGeom>
+          <a:noFill/>
+        </p:spPr>
+        <p:txBody>
+          <a:bodyPr wrap="square" rtlCol="0">
+            <a:spAutoFit/>
+          </a:bodyPr>
+          <a:lstStyle/>
+          <a:p>
+            <a:endParaRPr lang="de-DE" dirty="0"/>
+          </a:p>
+          <a:p>
+            <a:pPr algn="ctr"/>
+            <a:r>
+              <a:rPr lang="de-DE" sz="2000" b="1" dirty="0"/>
+              <a:t>Server</a:t>
+            </a:r>
+          </a:p>
+        </p:txBody>
+      </p:sp>
+      <p:sp>
+        <p:nvSpPr>
+          <p:cNvPr id="11" name="Rechteck 10">
+            <a:extLst>
+              <a:ext uri="{FF2B5EF4-FFF2-40B4-BE49-F238E27FC236}">
+                <a16:creationId xmlns:a16="http://schemas.microsoft.com/office/drawing/2014/main" id="{AE2AD78E-A7E6-2FDA-2270-2951AE6B6DA1}"/>
+              </a:ext>
+            </a:extLst>
+          </p:cNvPr>
+          <p:cNvSpPr/>
+          <p:nvPr/>
+        </p:nvSpPr>
+        <p:spPr>
+          <a:xfrm>
+            <a:off x="9396984" y="2999232"/>
+            <a:ext cx="1956816" cy="1179576"/>
+          </a:xfrm>
+          <a:prstGeom prst="rect">
+            <a:avLst/>
+          </a:prstGeom>
+          <a:solidFill>
+            <a:schemeClr val="bg1"/>
+          </a:solidFill>
+          <a:ln>
+            <a:solidFill>
+              <a:schemeClr val="tx1"/>
+            </a:solidFill>
+          </a:ln>
+        </p:spPr>
+        <p:style>
+          <a:lnRef idx="2">
+            <a:schemeClr val="accent1">
+              <a:shade val="15000"/>
+            </a:schemeClr>
+          </a:lnRef>
+          <a:fillRef idx="1">
+            <a:schemeClr val="accent1"/>
+          </a:fillRef>
+          <a:effectRef idx="0">
+            <a:schemeClr val="accent1"/>
+          </a:effectRef>
+          <a:fontRef idx="minor">
+            <a:schemeClr val="lt1"/>
+          </a:fontRef>
+        </p:style>
+        <p:txBody>
+          <a:bodyPr rtlCol="0" anchor="ctr"/>
+          <a:lstStyle/>
+          <a:p>
+            <a:pPr algn="ctr"/>
+            <a:endParaRPr lang="de-DE" dirty="0"/>
+          </a:p>
+        </p:txBody>
+      </p:sp>
+      <p:sp>
+        <p:nvSpPr>
+          <p:cNvPr id="13" name="Pfeil: nach rechts 12">
+            <a:extLst>
+              <a:ext uri="{FF2B5EF4-FFF2-40B4-BE49-F238E27FC236}">
+                <a16:creationId xmlns:a16="http://schemas.microsoft.com/office/drawing/2014/main" id="{6C3FA898-831A-87F0-0573-D2576C896F64}"/>
+              </a:ext>
+            </a:extLst>
+          </p:cNvPr>
+          <p:cNvSpPr/>
+          <p:nvPr/>
+        </p:nvSpPr>
+        <p:spPr>
+          <a:xfrm>
+            <a:off x="7458456" y="3342132"/>
+            <a:ext cx="1499616" cy="493776"/>
+          </a:xfrm>
+          <a:prstGeom prst="rightArrow">
+            <a:avLst/>
+          </a:prstGeom>
+        </p:spPr>
+        <p:style>
+          <a:lnRef idx="2">
+            <a:schemeClr val="accent1">
+              <a:shade val="15000"/>
+            </a:schemeClr>
+          </a:lnRef>
+          <a:fillRef idx="1">
+            <a:schemeClr val="accent1"/>
+          </a:fillRef>
+          <a:effectRef idx="0">
+            <a:schemeClr val="accent1"/>
+          </a:effectRef>
+          <a:fontRef idx="minor">
+            <a:schemeClr val="lt1"/>
+          </a:fontRef>
+        </p:style>
+        <p:txBody>
+          <a:bodyPr rtlCol="0" anchor="ctr"/>
+          <a:lstStyle/>
+          <a:p>
+            <a:pPr algn="ctr"/>
+            <a:endParaRPr lang="de-DE" dirty="0"/>
+          </a:p>
+        </p:txBody>
+      </p:sp>
+      <p:sp>
+        <p:nvSpPr>
+          <p:cNvPr id="14" name="Textfeld 13">
+            <a:extLst>
+              <a:ext uri="{FF2B5EF4-FFF2-40B4-BE49-F238E27FC236}">
+                <a16:creationId xmlns:a16="http://schemas.microsoft.com/office/drawing/2014/main" id="{4CBCA932-BD79-EA3A-F690-7DFDF07271DC}"/>
+              </a:ext>
+            </a:extLst>
+          </p:cNvPr>
+          <p:cNvSpPr txBox="1"/>
+          <p:nvPr/>
+        </p:nvSpPr>
+        <p:spPr>
+          <a:xfrm>
+            <a:off x="9396984" y="2999231"/>
+            <a:ext cx="1956816" cy="1231106"/>
+          </a:xfrm>
+          <a:prstGeom prst="rect">
+            <a:avLst/>
+          </a:prstGeom>
+          <a:noFill/>
+        </p:spPr>
+        <p:txBody>
+          <a:bodyPr wrap="square" rtlCol="0">
+            <a:spAutoFit/>
+          </a:bodyPr>
+          <a:lstStyle/>
+          <a:p>
+            <a:r>
+              <a:rPr lang="de-DE" sz="2000" b="1" dirty="0"/>
+              <a:t>Antwort</a:t>
+            </a:r>
+          </a:p>
+          <a:p>
+            <a:r>
+              <a:rPr lang="de-DE" dirty="0"/>
+              <a:t>- </a:t>
+            </a:r>
+            <a:r>
+              <a:rPr lang="de-DE" dirty="0" err="1"/>
+              <a:t>Json</a:t>
+            </a:r>
+            <a:r>
+              <a:rPr lang="de-DE" dirty="0"/>
+              <a:t>-Datei </a:t>
+            </a:r>
+          </a:p>
+          <a:p>
+            <a:r>
+              <a:rPr lang="de-DE" dirty="0"/>
+              <a:t>- Breiten- und</a:t>
+            </a:r>
+          </a:p>
+          <a:p>
+            <a:r>
+              <a:rPr lang="de-DE" dirty="0"/>
+              <a:t>   Längengraden</a:t>
+            </a:r>
+          </a:p>
+        </p:txBody>
+      </p:sp>
+      <p:sp>
+        <p:nvSpPr>
+          <p:cNvPr id="15" name="Textfeld 14">
+            <a:extLst>
+              <a:ext uri="{FF2B5EF4-FFF2-40B4-BE49-F238E27FC236}">
+                <a16:creationId xmlns:a16="http://schemas.microsoft.com/office/drawing/2014/main" id="{FB14A056-C88B-9457-A468-4955A4DB7B00}"/>
+              </a:ext>
+            </a:extLst>
+          </p:cNvPr>
+          <p:cNvSpPr txBox="1"/>
+          <p:nvPr/>
+        </p:nvSpPr>
+        <p:spPr>
+          <a:xfrm>
+            <a:off x="3236976" y="3076176"/>
+            <a:ext cx="923544" cy="338554"/>
+          </a:xfrm>
+          <a:prstGeom prst="rect">
+            <a:avLst/>
+          </a:prstGeom>
+          <a:noFill/>
+        </p:spPr>
+        <p:txBody>
+          <a:bodyPr wrap="square" rtlCol="0">
+            <a:spAutoFit/>
+          </a:bodyPr>
+          <a:lstStyle/>
+          <a:p>
+            <a:r>
+              <a:rPr lang="de-DE" sz="1600" dirty="0"/>
+              <a:t>Request</a:t>
+            </a:r>
+          </a:p>
+        </p:txBody>
+      </p:sp>
+      <p:sp>
+        <p:nvSpPr>
+          <p:cNvPr id="16" name="Textfeld 15">
+            <a:extLst>
+              <a:ext uri="{FF2B5EF4-FFF2-40B4-BE49-F238E27FC236}">
+                <a16:creationId xmlns:a16="http://schemas.microsoft.com/office/drawing/2014/main" id="{994F8780-F021-FAEC-1220-84E76267F58D}"/>
+              </a:ext>
+            </a:extLst>
+          </p:cNvPr>
+          <p:cNvSpPr txBox="1"/>
+          <p:nvPr/>
+        </p:nvSpPr>
+        <p:spPr>
+          <a:xfrm>
+            <a:off x="7458456" y="3090446"/>
+            <a:ext cx="1072896" cy="338554"/>
+          </a:xfrm>
+          <a:prstGeom prst="rect">
+            <a:avLst/>
+          </a:prstGeom>
+          <a:noFill/>
+        </p:spPr>
+        <p:txBody>
+          <a:bodyPr wrap="square" rtlCol="0">
+            <a:spAutoFit/>
+          </a:bodyPr>
+          <a:lstStyle/>
+          <a:p>
+            <a:r>
+              <a:rPr lang="de-DE" sz="1600" dirty="0"/>
+              <a:t>Response</a:t>
+            </a:r>
+          </a:p>
+        </p:txBody>
+      </p:sp>
+    </p:spTree>
+    <p:extLst>
+      <p:ext uri="{BB962C8B-B14F-4D97-AF65-F5344CB8AC3E}">
+        <p14:creationId xmlns:p14="http://schemas.microsoft.com/office/powerpoint/2010/main" val="2876744184"/>
       </p:ext>
     </p:extLst>
   </p:cSld>
